--- a/mlws_resources/exercise_industry_spotlights_template.pptx
+++ b/mlws_resources/exercise_industry_spotlights_template.pptx
@@ -22,18 +22,11 @@
       <p:boldItalic r:id="rId11"/>
     </p:embeddedFont>
     <p:embeddedFont>
-      <p:font typeface="Source Sans Pro ExtraLight"/>
+      <p:font typeface="Source Sans Pro"/>
       <p:regular r:id="rId12"/>
       <p:bold r:id="rId13"/>
       <p:italic r:id="rId14"/>
       <p:boldItalic r:id="rId15"/>
-    </p:embeddedFont>
-    <p:embeddedFont>
-      <p:font typeface="Source Sans Pro"/>
-      <p:regular r:id="rId16"/>
-      <p:bold r:id="rId17"/>
-      <p:italic r:id="rId18"/>
-      <p:boldItalic r:id="rId19"/>
     </p:embeddedFont>
   </p:embeddedFontLst>
   <p:defaultTextStyle>
@@ -3130,8 +3123,8 @@
         </p:nvSpPr>
         <p:spPr>
           <a:xfrm>
-            <a:off x="892221" y="3644643"/>
-            <a:ext cx="2429700" cy="184800"/>
+            <a:off x="892226" y="3644650"/>
+            <a:ext cx="3127200" cy="184800"/>
           </a:xfrm>
           <a:prstGeom prst="rect">
             <a:avLst/>
@@ -3182,8 +3175,8 @@
         </p:nvSpPr>
         <p:spPr>
           <a:xfrm>
-            <a:off x="892221" y="3910407"/>
-            <a:ext cx="2429700" cy="184800"/>
+            <a:off x="892226" y="3910400"/>
+            <a:ext cx="3127200" cy="184800"/>
           </a:xfrm>
           <a:prstGeom prst="rect">
             <a:avLst/>
@@ -3234,8 +3227,8 @@
         </p:nvSpPr>
         <p:spPr>
           <a:xfrm>
-            <a:off x="879621" y="4170915"/>
-            <a:ext cx="2786700" cy="184800"/>
+            <a:off x="879625" y="4170925"/>
+            <a:ext cx="3127200" cy="184800"/>
           </a:xfrm>
           <a:prstGeom prst="rect">
             <a:avLst/>
@@ -3286,8 +3279,8 @@
         </p:nvSpPr>
         <p:spPr>
           <a:xfrm>
-            <a:off x="892221" y="4430058"/>
-            <a:ext cx="2429700" cy="184800"/>
+            <a:off x="892226" y="4430050"/>
+            <a:ext cx="3127200" cy="184800"/>
           </a:xfrm>
           <a:prstGeom prst="rect">
             <a:avLst/>
@@ -3996,8 +3989,8 @@
         </p:nvSpPr>
         <p:spPr>
           <a:xfrm>
-            <a:off x="892221" y="1652400"/>
-            <a:ext cx="2429700" cy="184800"/>
+            <a:off x="892226" y="1652400"/>
+            <a:ext cx="2941200" cy="184800"/>
           </a:xfrm>
           <a:prstGeom prst="rect">
             <a:avLst/>
@@ -4048,8 +4041,8 @@
         </p:nvSpPr>
         <p:spPr>
           <a:xfrm>
-            <a:off x="892221" y="1912220"/>
-            <a:ext cx="2786700" cy="184800"/>
+            <a:off x="892225" y="1912225"/>
+            <a:ext cx="2941200" cy="184800"/>
           </a:xfrm>
           <a:prstGeom prst="rect">
             <a:avLst/>
@@ -4100,8 +4093,8 @@
         </p:nvSpPr>
         <p:spPr>
           <a:xfrm>
-            <a:off x="892221" y="2172051"/>
-            <a:ext cx="2429700" cy="184800"/>
+            <a:off x="892226" y="2172050"/>
+            <a:ext cx="2941200" cy="184800"/>
           </a:xfrm>
           <a:prstGeom prst="rect">
             <a:avLst/>
@@ -4137,18 +4130,18 @@
             </a:r>
             <a:r>
               <a:rPr lang="en" sz="1200">
-                <a:latin typeface="Source Sans Pro ExtraLight"/>
-                <a:ea typeface="Source Sans Pro ExtraLight"/>
-                <a:cs typeface="Source Sans Pro ExtraLight"/>
-                <a:sym typeface="Source Sans Pro ExtraLight"/>
+                <a:latin typeface="Source Sans Pro Light"/>
+                <a:ea typeface="Source Sans Pro Light"/>
+                <a:cs typeface="Source Sans Pro Light"/>
+                <a:sym typeface="Source Sans Pro Light"/>
               </a:rPr>
               <a:t>(e.g., audio, video)</a:t>
             </a:r>
             <a:endParaRPr sz="1200">
-              <a:latin typeface="Source Sans Pro ExtraLight"/>
-              <a:ea typeface="Source Sans Pro ExtraLight"/>
-              <a:cs typeface="Source Sans Pro ExtraLight"/>
-              <a:sym typeface="Source Sans Pro ExtraLight"/>
+              <a:latin typeface="Source Sans Pro Light"/>
+              <a:ea typeface="Source Sans Pro Light"/>
+              <a:cs typeface="Source Sans Pro Light"/>
+              <a:sym typeface="Source Sans Pro Light"/>
             </a:endParaRPr>
           </a:p>
         </p:txBody>
@@ -4407,8 +4400,8 @@
         </p:nvSpPr>
         <p:spPr>
           <a:xfrm>
-            <a:off x="4540995" y="1387713"/>
-            <a:ext cx="4011600" cy="184800"/>
+            <a:off x="4541000" y="1387725"/>
+            <a:ext cx="4023600" cy="184800"/>
           </a:xfrm>
           <a:prstGeom prst="rect">
             <a:avLst/>
@@ -4468,8 +4461,8 @@
         </p:nvSpPr>
         <p:spPr>
           <a:xfrm>
-            <a:off x="4541671" y="1653475"/>
-            <a:ext cx="2429700" cy="184800"/>
+            <a:off x="4541678" y="1653475"/>
+            <a:ext cx="4023600" cy="184800"/>
           </a:xfrm>
           <a:prstGeom prst="rect">
             <a:avLst/>
@@ -4529,8 +4522,8 @@
         </p:nvSpPr>
         <p:spPr>
           <a:xfrm>
-            <a:off x="4529071" y="1913982"/>
-            <a:ext cx="2786700" cy="184800"/>
+            <a:off x="4529077" y="1913975"/>
+            <a:ext cx="4023600" cy="184800"/>
           </a:xfrm>
           <a:prstGeom prst="rect">
             <a:avLst/>
@@ -4734,8 +4727,8 @@
         </p:nvSpPr>
         <p:spPr>
           <a:xfrm>
-            <a:off x="4540995" y="2182863"/>
-            <a:ext cx="4011600" cy="184800"/>
+            <a:off x="4541000" y="2182875"/>
+            <a:ext cx="4023600" cy="184800"/>
           </a:xfrm>
           <a:prstGeom prst="rect">
             <a:avLst/>
@@ -4813,8 +4806,8 @@
         </p:nvSpPr>
         <p:spPr>
           <a:xfrm>
-            <a:off x="4540995" y="2448613"/>
-            <a:ext cx="4011600" cy="184800"/>
+            <a:off x="4541000" y="2448625"/>
+            <a:ext cx="4023600" cy="184800"/>
           </a:xfrm>
           <a:prstGeom prst="rect">
             <a:avLst/>
@@ -5123,8 +5116,8 @@
         </p:nvSpPr>
         <p:spPr>
           <a:xfrm>
-            <a:off x="4529075" y="2978013"/>
-            <a:ext cx="4011600" cy="184800"/>
+            <a:off x="4529075" y="2978025"/>
+            <a:ext cx="4023600" cy="184800"/>
           </a:xfrm>
           <a:prstGeom prst="rect">
             <a:avLst/>
@@ -5265,8 +5258,8 @@
         </p:nvSpPr>
         <p:spPr>
           <a:xfrm>
-            <a:off x="4541678" y="3740281"/>
-            <a:ext cx="3961800" cy="184800"/>
+            <a:off x="4541675" y="3740275"/>
+            <a:ext cx="4023600" cy="184800"/>
           </a:xfrm>
           <a:prstGeom prst="rect">
             <a:avLst/>
@@ -5317,8 +5310,8 @@
         </p:nvSpPr>
         <p:spPr>
           <a:xfrm>
-            <a:off x="4529076" y="4000806"/>
-            <a:ext cx="3768000" cy="184800"/>
+            <a:off x="4529075" y="4000800"/>
+            <a:ext cx="4023600" cy="184800"/>
           </a:xfrm>
           <a:prstGeom prst="rect">
             <a:avLst/>
@@ -5518,6 +5511,285 @@
 </file>
 
 <file path=ppt/theme/theme1.xml><?xml version="1.0" encoding="utf-8"?>
+<a:theme xmlns:a="http://schemas.openxmlformats.org/drawingml/2006/main" xmlns:r="http://schemas.openxmlformats.org/officeDocument/2006/relationships">
+  <a:themeElements>
+    <a:clrScheme name="Default">
+      <a:dk1>
+        <a:srgbClr val="000000"/>
+      </a:dk1>
+      <a:lt1>
+        <a:srgbClr val="FFFFFF"/>
+      </a:lt1>
+      <a:dk2>
+        <a:srgbClr val="158158"/>
+      </a:dk2>
+      <a:lt2>
+        <a:srgbClr val="F3F3F3"/>
+      </a:lt2>
+      <a:accent1>
+        <a:srgbClr val="058DC7"/>
+      </a:accent1>
+      <a:accent2>
+        <a:srgbClr val="50B432"/>
+      </a:accent2>
+      <a:accent3>
+        <a:srgbClr val="ED561B"/>
+      </a:accent3>
+      <a:accent4>
+        <a:srgbClr val="EDEF00"/>
+      </a:accent4>
+      <a:accent5>
+        <a:srgbClr val="24CBE5"/>
+      </a:accent5>
+      <a:accent6>
+        <a:srgbClr val="64E572"/>
+      </a:accent6>
+      <a:hlink>
+        <a:srgbClr val="2200CC"/>
+      </a:hlink>
+      <a:folHlink>
+        <a:srgbClr val="551A8B"/>
+      </a:folHlink>
+    </a:clrScheme>
+    <a:fontScheme name="Office">
+      <a:majorFont>
+        <a:latin typeface="Arial"/>
+        <a:ea typeface=""/>
+        <a:cs typeface=""/>
+        <a:font script="Jpan" typeface="ＭＳ Ｐゴシック"/>
+        <a:font script="Hang" typeface="맑은 고딕"/>
+        <a:font script="Hans" typeface="宋体"/>
+        <a:font script="Hant" typeface="新細明體"/>
+        <a:font script="Arab" typeface="Times New Roman"/>
+        <a:font script="Hebr" typeface="Times New Roman"/>
+        <a:font script="Thai" typeface="Angsana New"/>
+        <a:font script="Ethi" typeface="Nyala"/>
+        <a:font script="Beng" typeface="Vrinda"/>
+        <a:font script="Gujr" typeface="Shruti"/>
+        <a:font script="Khmr" typeface="MoolBoran"/>
+        <a:font script="Knda" typeface="Tunga"/>
+        <a:font script="Guru" typeface="Raavi"/>
+        <a:font script="Cans" typeface="Euphemia"/>
+        <a:font script="Cher" typeface="Plantagenet Cherokee"/>
+        <a:font script="Yiii" typeface="Microsoft Yi Baiti"/>
+        <a:font script="Tibt" typeface="Microsoft Himalaya"/>
+        <a:font script="Thaa" typeface="MV Boli"/>
+        <a:font script="Deva" typeface="Mangal"/>
+        <a:font script="Telu" typeface="Gautami"/>
+        <a:font script="Taml" typeface="Latha"/>
+        <a:font script="Syrc" typeface="Estrangelo Edessa"/>
+        <a:font script="Orya" typeface="Kalinga"/>
+        <a:font script="Mlym" typeface="Kartika"/>
+        <a:font script="Laoo" typeface="DokChampa"/>
+        <a:font script="Sinh" typeface="Iskoola Pota"/>
+        <a:font script="Mong" typeface="Mongolian Baiti"/>
+        <a:font script="Viet" typeface="Times New Roman"/>
+        <a:font script="Uigh" typeface="Microsoft Uighur"/>
+        <a:font script="Geor" typeface="Sylfaen"/>
+      </a:majorFont>
+      <a:minorFont>
+        <a:latin typeface="Arial"/>
+        <a:ea typeface=""/>
+        <a:cs typeface=""/>
+        <a:font script="Jpan" typeface="ＭＳ Ｐゴシック"/>
+        <a:font script="Hang" typeface="맑은 고딕"/>
+        <a:font script="Hans" typeface="宋体"/>
+        <a:font script="Hant" typeface="新細明體"/>
+        <a:font script="Arab" typeface="Arial"/>
+        <a:font script="Hebr" typeface="Arial"/>
+        <a:font script="Thai" typeface="Cordia New"/>
+        <a:font script="Ethi" typeface="Nyala"/>
+        <a:font script="Beng" typeface="Vrinda"/>
+        <a:font script="Gujr" typeface="Shruti"/>
+        <a:font script="Khmr" typeface="DaunPenh"/>
+        <a:font script="Knda" typeface="Tunga"/>
+        <a:font script="Guru" typeface="Raavi"/>
+        <a:font script="Cans" typeface="Euphemia"/>
+        <a:font script="Cher" typeface="Plantagenet Cherokee"/>
+        <a:font script="Yiii" typeface="Microsoft Yi Baiti"/>
+        <a:font script="Tibt" typeface="Microsoft Himalaya"/>
+        <a:font script="Thaa" typeface="MV Boli"/>
+        <a:font script="Deva" typeface="Mangal"/>
+        <a:font script="Telu" typeface="Gautami"/>
+        <a:font script="Taml" typeface="Latha"/>
+        <a:font script="Syrc" typeface="Estrangelo Edessa"/>
+        <a:font script="Orya" typeface="Kalinga"/>
+        <a:font script="Mlym" typeface="Kartika"/>
+        <a:font script="Laoo" typeface="DokChampa"/>
+        <a:font script="Sinh" typeface="Iskoola Pota"/>
+        <a:font script="Mong" typeface="Mongolian Baiti"/>
+        <a:font script="Viet" typeface="Arial"/>
+        <a:font script="Uigh" typeface="Microsoft Uighur"/>
+        <a:font script="Geor" typeface="Sylfaen"/>
+      </a:minorFont>
+    </a:fontScheme>
+    <a:fmtScheme name="Office">
+      <a:fillStyleLst>
+        <a:solidFill>
+          <a:schemeClr val="phClr"/>
+        </a:solidFill>
+        <a:gradFill rotWithShape="1">
+          <a:gsLst>
+            <a:gs pos="0">
+              <a:schemeClr val="phClr">
+                <a:tint val="50000"/>
+                <a:satMod val="300000"/>
+              </a:schemeClr>
+            </a:gs>
+            <a:gs pos="35000">
+              <a:schemeClr val="phClr">
+                <a:tint val="37000"/>
+                <a:satMod val="300000"/>
+              </a:schemeClr>
+            </a:gs>
+            <a:gs pos="100000">
+              <a:schemeClr val="phClr">
+                <a:tint val="15000"/>
+                <a:satMod val="350000"/>
+              </a:schemeClr>
+            </a:gs>
+          </a:gsLst>
+          <a:lin ang="16200000" scaled="1"/>
+        </a:gradFill>
+        <a:gradFill rotWithShape="1">
+          <a:gsLst>
+            <a:gs pos="0">
+              <a:schemeClr val="phClr">
+                <a:tint val="100000"/>
+                <a:shade val="100000"/>
+                <a:satMod val="130000"/>
+              </a:schemeClr>
+            </a:gs>
+            <a:gs pos="100000">
+              <a:schemeClr val="phClr">
+                <a:tint val="50000"/>
+                <a:shade val="100000"/>
+                <a:satMod val="350000"/>
+              </a:schemeClr>
+            </a:gs>
+          </a:gsLst>
+          <a:lin ang="16200000" scaled="0"/>
+        </a:gradFill>
+      </a:fillStyleLst>
+      <a:lnStyleLst>
+        <a:ln w="9525" cap="flat" cmpd="sng" algn="ctr">
+          <a:solidFill>
+            <a:schemeClr val="phClr">
+              <a:shade val="95000"/>
+              <a:satMod val="105000"/>
+            </a:schemeClr>
+          </a:solidFill>
+          <a:prstDash val="solid"/>
+        </a:ln>
+        <a:ln w="25400" cap="flat" cmpd="sng" algn="ctr">
+          <a:solidFill>
+            <a:schemeClr val="phClr"/>
+          </a:solidFill>
+          <a:prstDash val="solid"/>
+        </a:ln>
+        <a:ln w="38100" cap="flat" cmpd="sng" algn="ctr">
+          <a:solidFill>
+            <a:schemeClr val="phClr"/>
+          </a:solidFill>
+          <a:prstDash val="solid"/>
+        </a:ln>
+      </a:lnStyleLst>
+      <a:effectStyleLst>
+        <a:effectStyle>
+          <a:effectLst>
+            <a:outerShdw blurRad="40000" dist="20000" dir="5400000" rotWithShape="0">
+              <a:srgbClr val="000000">
+                <a:alpha val="38000"/>
+              </a:srgbClr>
+            </a:outerShdw>
+          </a:effectLst>
+        </a:effectStyle>
+        <a:effectStyle>
+          <a:effectLst>
+            <a:outerShdw blurRad="40000" dist="23000" dir="5400000" rotWithShape="0">
+              <a:srgbClr val="000000">
+                <a:alpha val="35000"/>
+              </a:srgbClr>
+            </a:outerShdw>
+          </a:effectLst>
+        </a:effectStyle>
+        <a:effectStyle>
+          <a:effectLst>
+            <a:outerShdw blurRad="40000" dist="23000" dir="5400000" rotWithShape="0">
+              <a:srgbClr val="000000">
+                <a:alpha val="35000"/>
+              </a:srgbClr>
+            </a:outerShdw>
+          </a:effectLst>
+          <a:scene3d>
+            <a:camera prst="orthographicFront">
+              <a:rot lat="0" lon="0" rev="0"/>
+            </a:camera>
+            <a:lightRig rig="threePt" dir="t">
+              <a:rot lat="0" lon="0" rev="1200000"/>
+            </a:lightRig>
+          </a:scene3d>
+          <a:sp3d>
+            <a:bevelT w="63500" h="25400"/>
+          </a:sp3d>
+        </a:effectStyle>
+      </a:effectStyleLst>
+      <a:bgFillStyleLst>
+        <a:solidFill>
+          <a:schemeClr val="phClr"/>
+        </a:solidFill>
+        <a:gradFill rotWithShape="1">
+          <a:gsLst>
+            <a:gs pos="0">
+              <a:schemeClr val="phClr">
+                <a:tint val="40000"/>
+                <a:satMod val="350000"/>
+              </a:schemeClr>
+            </a:gs>
+            <a:gs pos="40000">
+              <a:schemeClr val="phClr">
+                <a:tint val="45000"/>
+                <a:shade val="99000"/>
+                <a:satMod val="350000"/>
+              </a:schemeClr>
+            </a:gs>
+            <a:gs pos="100000">
+              <a:schemeClr val="phClr">
+                <a:shade val="20000"/>
+                <a:satMod val="255000"/>
+              </a:schemeClr>
+            </a:gs>
+          </a:gsLst>
+          <a:path path="circle">
+            <a:fillToRect l="50000" t="-80000" r="50000" b="180000"/>
+          </a:path>
+        </a:gradFill>
+        <a:gradFill rotWithShape="1">
+          <a:gsLst>
+            <a:gs pos="0">
+              <a:schemeClr val="phClr">
+                <a:tint val="80000"/>
+                <a:satMod val="300000"/>
+              </a:schemeClr>
+            </a:gs>
+            <a:gs pos="100000">
+              <a:schemeClr val="phClr">
+                <a:shade val="30000"/>
+                <a:satMod val="200000"/>
+              </a:schemeClr>
+            </a:gs>
+          </a:gsLst>
+          <a:path path="circle">
+            <a:fillToRect l="50000" t="50000" r="50000" b="50000"/>
+          </a:path>
+        </a:gradFill>
+      </a:bgFillStyleLst>
+    </a:fmtScheme>
+  </a:themeElements>
+</a:theme>
+</file>
+
+<file path=ppt/theme/theme2.xml><?xml version="1.0" encoding="utf-8"?>
 <a:theme xmlns:a="http://schemas.openxmlformats.org/drawingml/2006/main" xmlns:r="http://schemas.openxmlformats.org/officeDocument/2006/relationships" name="Franzi">
   <a:themeElements>
     <a:clrScheme name="Simple Light">
@@ -5794,283 +6066,4 @@
     </a:fmtScheme>
   </a:themeElements>
 </a:theme>
-</file>
-
-<file path=ppt/theme/theme2.xml><?xml version="1.0" encoding="utf-8"?>
-<a:theme xmlns:a="http://schemas.openxmlformats.org/drawingml/2006/main" xmlns:r="http://schemas.openxmlformats.org/officeDocument/2006/relationships">
-  <a:themeElements>
-    <a:clrScheme name="Default">
-      <a:dk1>
-        <a:srgbClr val="000000"/>
-      </a:dk1>
-      <a:lt1>
-        <a:srgbClr val="FFFFFF"/>
-      </a:lt1>
-      <a:dk2>
-        <a:srgbClr val="158158"/>
-      </a:dk2>
-      <a:lt2>
-        <a:srgbClr val="F3F3F3"/>
-      </a:lt2>
-      <a:accent1>
-        <a:srgbClr val="058DC7"/>
-      </a:accent1>
-      <a:accent2>
-        <a:srgbClr val="50B432"/>
-      </a:accent2>
-      <a:accent3>
-        <a:srgbClr val="ED561B"/>
-      </a:accent3>
-      <a:accent4>
-        <a:srgbClr val="EDEF00"/>
-      </a:accent4>
-      <a:accent5>
-        <a:srgbClr val="24CBE5"/>
-      </a:accent5>
-      <a:accent6>
-        <a:srgbClr val="64E572"/>
-      </a:accent6>
-      <a:hlink>
-        <a:srgbClr val="2200CC"/>
-      </a:hlink>
-      <a:folHlink>
-        <a:srgbClr val="551A8B"/>
-      </a:folHlink>
-    </a:clrScheme>
-    <a:fontScheme name="Office">
-      <a:majorFont>
-        <a:latin typeface="Arial"/>
-        <a:ea typeface=""/>
-        <a:cs typeface=""/>
-        <a:font script="Jpan" typeface="ＭＳ Ｐゴシック"/>
-        <a:font script="Hang" typeface="맑은 고딕"/>
-        <a:font script="Hans" typeface="宋体"/>
-        <a:font script="Hant" typeface="新細明體"/>
-        <a:font script="Arab" typeface="Times New Roman"/>
-        <a:font script="Hebr" typeface="Times New Roman"/>
-        <a:font script="Thai" typeface="Angsana New"/>
-        <a:font script="Ethi" typeface="Nyala"/>
-        <a:font script="Beng" typeface="Vrinda"/>
-        <a:font script="Gujr" typeface="Shruti"/>
-        <a:font script="Khmr" typeface="MoolBoran"/>
-        <a:font script="Knda" typeface="Tunga"/>
-        <a:font script="Guru" typeface="Raavi"/>
-        <a:font script="Cans" typeface="Euphemia"/>
-        <a:font script="Cher" typeface="Plantagenet Cherokee"/>
-        <a:font script="Yiii" typeface="Microsoft Yi Baiti"/>
-        <a:font script="Tibt" typeface="Microsoft Himalaya"/>
-        <a:font script="Thaa" typeface="MV Boli"/>
-        <a:font script="Deva" typeface="Mangal"/>
-        <a:font script="Telu" typeface="Gautami"/>
-        <a:font script="Taml" typeface="Latha"/>
-        <a:font script="Syrc" typeface="Estrangelo Edessa"/>
-        <a:font script="Orya" typeface="Kalinga"/>
-        <a:font script="Mlym" typeface="Kartika"/>
-        <a:font script="Laoo" typeface="DokChampa"/>
-        <a:font script="Sinh" typeface="Iskoola Pota"/>
-        <a:font script="Mong" typeface="Mongolian Baiti"/>
-        <a:font script="Viet" typeface="Times New Roman"/>
-        <a:font script="Uigh" typeface="Microsoft Uighur"/>
-        <a:font script="Geor" typeface="Sylfaen"/>
-      </a:majorFont>
-      <a:minorFont>
-        <a:latin typeface="Arial"/>
-        <a:ea typeface=""/>
-        <a:cs typeface=""/>
-        <a:font script="Jpan" typeface="ＭＳ Ｐゴシック"/>
-        <a:font script="Hang" typeface="맑은 고딕"/>
-        <a:font script="Hans" typeface="宋体"/>
-        <a:font script="Hant" typeface="新細明體"/>
-        <a:font script="Arab" typeface="Arial"/>
-        <a:font script="Hebr" typeface="Arial"/>
-        <a:font script="Thai" typeface="Cordia New"/>
-        <a:font script="Ethi" typeface="Nyala"/>
-        <a:font script="Beng" typeface="Vrinda"/>
-        <a:font script="Gujr" typeface="Shruti"/>
-        <a:font script="Khmr" typeface="DaunPenh"/>
-        <a:font script="Knda" typeface="Tunga"/>
-        <a:font script="Guru" typeface="Raavi"/>
-        <a:font script="Cans" typeface="Euphemia"/>
-        <a:font script="Cher" typeface="Plantagenet Cherokee"/>
-        <a:font script="Yiii" typeface="Microsoft Yi Baiti"/>
-        <a:font script="Tibt" typeface="Microsoft Himalaya"/>
-        <a:font script="Thaa" typeface="MV Boli"/>
-        <a:font script="Deva" typeface="Mangal"/>
-        <a:font script="Telu" typeface="Gautami"/>
-        <a:font script="Taml" typeface="Latha"/>
-        <a:font script="Syrc" typeface="Estrangelo Edessa"/>
-        <a:font script="Orya" typeface="Kalinga"/>
-        <a:font script="Mlym" typeface="Kartika"/>
-        <a:font script="Laoo" typeface="DokChampa"/>
-        <a:font script="Sinh" typeface="Iskoola Pota"/>
-        <a:font script="Mong" typeface="Mongolian Baiti"/>
-        <a:font script="Viet" typeface="Arial"/>
-        <a:font script="Uigh" typeface="Microsoft Uighur"/>
-        <a:font script="Geor" typeface="Sylfaen"/>
-      </a:minorFont>
-    </a:fontScheme>
-    <a:fmtScheme name="Office">
-      <a:fillStyleLst>
-        <a:solidFill>
-          <a:schemeClr val="phClr"/>
-        </a:solidFill>
-        <a:gradFill rotWithShape="1">
-          <a:gsLst>
-            <a:gs pos="0">
-              <a:schemeClr val="phClr">
-                <a:tint val="50000"/>
-                <a:satMod val="300000"/>
-              </a:schemeClr>
-            </a:gs>
-            <a:gs pos="35000">
-              <a:schemeClr val="phClr">
-                <a:tint val="37000"/>
-                <a:satMod val="300000"/>
-              </a:schemeClr>
-            </a:gs>
-            <a:gs pos="100000">
-              <a:schemeClr val="phClr">
-                <a:tint val="15000"/>
-                <a:satMod val="350000"/>
-              </a:schemeClr>
-            </a:gs>
-          </a:gsLst>
-          <a:lin ang="16200000" scaled="1"/>
-        </a:gradFill>
-        <a:gradFill rotWithShape="1">
-          <a:gsLst>
-            <a:gs pos="0">
-              <a:schemeClr val="phClr">
-                <a:tint val="100000"/>
-                <a:shade val="100000"/>
-                <a:satMod val="130000"/>
-              </a:schemeClr>
-            </a:gs>
-            <a:gs pos="100000">
-              <a:schemeClr val="phClr">
-                <a:tint val="50000"/>
-                <a:shade val="100000"/>
-                <a:satMod val="350000"/>
-              </a:schemeClr>
-            </a:gs>
-          </a:gsLst>
-          <a:lin ang="16200000" scaled="0"/>
-        </a:gradFill>
-      </a:fillStyleLst>
-      <a:lnStyleLst>
-        <a:ln w="9525" cap="flat" cmpd="sng" algn="ctr">
-          <a:solidFill>
-            <a:schemeClr val="phClr">
-              <a:shade val="95000"/>
-              <a:satMod val="105000"/>
-            </a:schemeClr>
-          </a:solidFill>
-          <a:prstDash val="solid"/>
-        </a:ln>
-        <a:ln w="25400" cap="flat" cmpd="sng" algn="ctr">
-          <a:solidFill>
-            <a:schemeClr val="phClr"/>
-          </a:solidFill>
-          <a:prstDash val="solid"/>
-        </a:ln>
-        <a:ln w="38100" cap="flat" cmpd="sng" algn="ctr">
-          <a:solidFill>
-            <a:schemeClr val="phClr"/>
-          </a:solidFill>
-          <a:prstDash val="solid"/>
-        </a:ln>
-      </a:lnStyleLst>
-      <a:effectStyleLst>
-        <a:effectStyle>
-          <a:effectLst>
-            <a:outerShdw blurRad="40000" dist="20000" dir="5400000" rotWithShape="0">
-              <a:srgbClr val="000000">
-                <a:alpha val="38000"/>
-              </a:srgbClr>
-            </a:outerShdw>
-          </a:effectLst>
-        </a:effectStyle>
-        <a:effectStyle>
-          <a:effectLst>
-            <a:outerShdw blurRad="40000" dist="23000" dir="5400000" rotWithShape="0">
-              <a:srgbClr val="000000">
-                <a:alpha val="35000"/>
-              </a:srgbClr>
-            </a:outerShdw>
-          </a:effectLst>
-        </a:effectStyle>
-        <a:effectStyle>
-          <a:effectLst>
-            <a:outerShdw blurRad="40000" dist="23000" dir="5400000" rotWithShape="0">
-              <a:srgbClr val="000000">
-                <a:alpha val="35000"/>
-              </a:srgbClr>
-            </a:outerShdw>
-          </a:effectLst>
-          <a:scene3d>
-            <a:camera prst="orthographicFront">
-              <a:rot lat="0" lon="0" rev="0"/>
-            </a:camera>
-            <a:lightRig rig="threePt" dir="t">
-              <a:rot lat="0" lon="0" rev="1200000"/>
-            </a:lightRig>
-          </a:scene3d>
-          <a:sp3d>
-            <a:bevelT w="63500" h="25400"/>
-          </a:sp3d>
-        </a:effectStyle>
-      </a:effectStyleLst>
-      <a:bgFillStyleLst>
-        <a:solidFill>
-          <a:schemeClr val="phClr"/>
-        </a:solidFill>
-        <a:gradFill rotWithShape="1">
-          <a:gsLst>
-            <a:gs pos="0">
-              <a:schemeClr val="phClr">
-                <a:tint val="40000"/>
-                <a:satMod val="350000"/>
-              </a:schemeClr>
-            </a:gs>
-            <a:gs pos="40000">
-              <a:schemeClr val="phClr">
-                <a:tint val="45000"/>
-                <a:shade val="99000"/>
-                <a:satMod val="350000"/>
-              </a:schemeClr>
-            </a:gs>
-            <a:gs pos="100000">
-              <a:schemeClr val="phClr">
-                <a:shade val="20000"/>
-                <a:satMod val="255000"/>
-              </a:schemeClr>
-            </a:gs>
-          </a:gsLst>
-          <a:path path="circle">
-            <a:fillToRect l="50000" t="-80000" r="50000" b="180000"/>
-          </a:path>
-        </a:gradFill>
-        <a:gradFill rotWithShape="1">
-          <a:gsLst>
-            <a:gs pos="0">
-              <a:schemeClr val="phClr">
-                <a:tint val="80000"/>
-                <a:satMod val="300000"/>
-              </a:schemeClr>
-            </a:gs>
-            <a:gs pos="100000">
-              <a:schemeClr val="phClr">
-                <a:shade val="30000"/>
-                <a:satMod val="200000"/>
-              </a:schemeClr>
-            </a:gs>
-          </a:gsLst>
-          <a:path path="circle">
-            <a:fillToRect l="50000" t="50000" r="50000" b="50000"/>
-          </a:path>
-        </a:gradFill>
-      </a:bgFillStyleLst>
-    </a:fmtScheme>
-  </a:themeElements>
-</a:theme>
 </file>
--- a/mlws_resources/exercise_industry_spotlights_template.pptx
+++ b/mlws_resources/exercise_industry_spotlights_template.pptx
@@ -1,6 +1,6 @@
 
 <file path=ppt/presentation.xml><?xml version="1.0" encoding="utf-8"?>
-<p:presentation xmlns:a="http://schemas.openxmlformats.org/drawingml/2006/main" xmlns:r="http://schemas.openxmlformats.org/officeDocument/2006/relationships" xmlns:mc="http://schemas.openxmlformats.org/markup-compatibility/2006" xmlns:mv="urn:schemas-microsoft-com:mac:vml" xmlns:p="http://schemas.openxmlformats.org/presentationml/2006/main" xmlns:c="http://schemas.openxmlformats.org/drawingml/2006/chart" xmlns:dgm="http://schemas.openxmlformats.org/drawingml/2006/diagram" xmlns:o="urn:schemas-microsoft-com:office:office" xmlns:v="urn:schemas-microsoft-com:vml" xmlns:pvml="urn:schemas-microsoft-com:office:powerpoint" xmlns:com="http://schemas.openxmlformats.org/drawingml/2006/compatibility" xmlns:p14="http://schemas.microsoft.com/office/powerpoint/2010/main" xmlns:p15="http://schemas.microsoft.com/office/powerpoint/2012/main" xmlns:ahyp="http://schemas.microsoft.com/office/drawing/2018/hyperlinkcolor" autoCompressPictures="0" embedTrueTypeFonts="1" strictFirstAndLastChars="0" saveSubsetFonts="1">
+<p:presentation xmlns:a="http://schemas.openxmlformats.org/drawingml/2006/main" xmlns:r="http://schemas.openxmlformats.org/officeDocument/2006/relationships" xmlns:mc="http://schemas.openxmlformats.org/markup-compatibility/2006" xmlns:mv="urn:schemas-microsoft-com:mac:vml" xmlns:p="http://schemas.openxmlformats.org/presentationml/2006/main" xmlns:c="http://schemas.openxmlformats.org/drawingml/2006/chart" xmlns:dgm="http://schemas.openxmlformats.org/drawingml/2006/diagram" xmlns:o="urn:schemas-microsoft-com:office:office" xmlns:v="urn:schemas-microsoft-com:vml" xmlns:pvml="urn:schemas-microsoft-com:office:powerpoint" xmlns:com="http://schemas.openxmlformats.org/drawingml/2006/compatibility" xmlns:p14="http://schemas.microsoft.com/office/powerpoint/2010/main" xmlns:p15="http://schemas.microsoft.com/office/powerpoint/2012/main" xmlns:ahyp="http://schemas.microsoft.com/office/drawing/2018/hyperlinkcolor" autoCompressPictures="0" strictFirstAndLastChars="0" saveSubsetFonts="1">
   <p:sldMasterIdLst>
     <p:sldMasterId id="2147483651" r:id="rId4"/>
   </p:sldMasterIdLst>
@@ -13,22 +13,6 @@
   </p:sldIdLst>
   <p:sldSz cy="5143500" cx="9144000"/>
   <p:notesSz cx="6858000" cy="9144000"/>
-  <p:embeddedFontLst>
-    <p:embeddedFont>
-      <p:font typeface="Source Sans Pro Light"/>
-      <p:regular r:id="rId8"/>
-      <p:bold r:id="rId9"/>
-      <p:italic r:id="rId10"/>
-      <p:boldItalic r:id="rId11"/>
-    </p:embeddedFont>
-    <p:embeddedFont>
-      <p:font typeface="Source Sans Pro"/>
-      <p:regular r:id="rId12"/>
-      <p:bold r:id="rId13"/>
-      <p:italic r:id="rId14"/>
-      <p:boldItalic r:id="rId15"/>
-    </p:embeddedFont>
-  </p:embeddedFontLst>
   <p:defaultTextStyle>
     <a:defPPr lvl="0" marR="0" rtl="0" algn="l">
       <a:lnSpc>
@@ -807,7 +791,7 @@
   <p:cSld>
     <p:spTree>
       <p:nvGrpSpPr>
-        <p:cNvPr id="36" name="Shape 36"/>
+        <p:cNvPr id="32" name="Shape 32"/>
         <p:cNvGrpSpPr/>
         <p:nvPr/>
       </p:nvGrpSpPr>
@@ -821,7 +805,7 @@
       </p:grpSpPr>
       <p:sp>
         <p:nvSpPr>
-          <p:cNvPr id="37" name="Google Shape;37;g102b68573aa_1_25:notes"/>
+          <p:cNvPr id="33" name="Google Shape;33;g102b68573aa_1_25:notes"/>
           <p:cNvSpPr/>
           <p:nvPr>
             <p:ph idx="2" type="sldImg"/>
@@ -856,7 +840,7 @@
       </p:sp>
       <p:sp>
         <p:nvSpPr>
-          <p:cNvPr id="38" name="Google Shape;38;g102b68573aa_1_25:notes"/>
+          <p:cNvPr id="34" name="Google Shape;34;g102b68573aa_1_25:notes"/>
           <p:cNvSpPr txBox="1"/>
           <p:nvPr>
             <p:ph idx="1" type="body"/>
@@ -3001,7 +2985,7 @@
         </p:nvSpPr>
         <p:spPr>
           <a:xfrm>
-            <a:off x="526375" y="3336582"/>
+            <a:off x="526375" y="3865982"/>
             <a:ext cx="1692000" cy="215400"/>
           </a:xfrm>
           <a:prstGeom prst="rect">
@@ -3072,7 +3056,7 @@
         <p:spPr>
           <a:xfrm>
             <a:off x="526375" y="457175"/>
-            <a:ext cx="2086200" cy="338700"/>
+            <a:ext cx="2724900" cy="338700"/>
           </a:xfrm>
           <a:prstGeom prst="rect">
             <a:avLst/>
@@ -3099,18 +3083,18 @@
             </a:pPr>
             <a:r>
               <a:rPr lang="en" sz="2200">
-                <a:latin typeface="Source Sans Pro Light"/>
-                <a:ea typeface="Source Sans Pro Light"/>
-                <a:cs typeface="Source Sans Pro Light"/>
-                <a:sym typeface="Source Sans Pro Light"/>
+                <a:latin typeface="Source Sans Pro"/>
+                <a:ea typeface="Source Sans Pro"/>
+                <a:cs typeface="Source Sans Pro"/>
+                <a:sym typeface="Source Sans Pro"/>
               </a:rPr>
               <a:t>Problem Overview</a:t>
             </a:r>
             <a:endParaRPr sz="2200">
-              <a:latin typeface="Source Sans Pro Light"/>
-              <a:ea typeface="Source Sans Pro Light"/>
-              <a:cs typeface="Source Sans Pro Light"/>
-              <a:sym typeface="Source Sans Pro Light"/>
+              <a:latin typeface="Source Sans Pro"/>
+              <a:ea typeface="Source Sans Pro"/>
+              <a:cs typeface="Source Sans Pro"/>
+              <a:sym typeface="Source Sans Pro"/>
             </a:endParaRPr>
           </a:p>
         </p:txBody>
@@ -3123,7 +3107,7 @@
         </p:nvSpPr>
         <p:spPr>
           <a:xfrm>
-            <a:off x="892226" y="3644650"/>
+            <a:off x="892226" y="4174050"/>
             <a:ext cx="3127200" cy="184800"/>
           </a:xfrm>
           <a:prstGeom prst="rect">
@@ -3147,16 +3131,24 @@
               <a:spcAft>
                 <a:spcPts val="0"/>
               </a:spcAft>
+              <a:buClr>
+                <a:schemeClr val="dk1"/>
+              </a:buClr>
+              <a:buSzPts val="1100"/>
+              <a:buFont typeface="Arial"/>
               <a:buNone/>
             </a:pPr>
             <a:r>
               <a:rPr lang="en" sz="1200">
+                <a:solidFill>
+                  <a:schemeClr val="dk1"/>
+                </a:solidFill>
                 <a:latin typeface="Source Sans Pro"/>
                 <a:ea typeface="Source Sans Pro"/>
                 <a:cs typeface="Source Sans Pro"/>
                 <a:sym typeface="Source Sans Pro"/>
               </a:rPr>
-              <a:t>internal process optimization</a:t>
+              <a:t>process improvement (reduce costs)</a:t>
             </a:r>
             <a:endParaRPr sz="1200">
               <a:latin typeface="Source Sans Pro"/>
@@ -3175,8 +3167,8 @@
         </p:nvSpPr>
         <p:spPr>
           <a:xfrm>
-            <a:off x="892226" y="3910400"/>
-            <a:ext cx="3127200" cy="184800"/>
+            <a:off x="892225" y="4439800"/>
+            <a:ext cx="3204300" cy="184800"/>
           </a:xfrm>
           <a:prstGeom prst="rect">
             <a:avLst/>
@@ -3203,12 +3195,15 @@
             </a:pPr>
             <a:r>
               <a:rPr lang="en" sz="1200">
+                <a:solidFill>
+                  <a:schemeClr val="dk1"/>
+                </a:solidFill>
                 <a:latin typeface="Source Sans Pro"/>
                 <a:ea typeface="Source Sans Pro"/>
                 <a:cs typeface="Source Sans Pro"/>
                 <a:sym typeface="Source Sans Pro"/>
               </a:rPr>
-              <a:t>improves existing product</a:t>
+              <a:t>new product / feature / service (increase revenue)</a:t>
             </a:r>
             <a:endParaRPr sz="1200">
               <a:latin typeface="Source Sans Pro"/>
@@ -3227,111 +3222,7 @@
         </p:nvSpPr>
         <p:spPr>
           <a:xfrm>
-            <a:off x="879625" y="4170925"/>
-            <a:ext cx="3127200" cy="184800"/>
-          </a:xfrm>
-          <a:prstGeom prst="rect">
-            <a:avLst/>
-          </a:prstGeom>
-          <a:noFill/>
-          <a:ln>
-            <a:noFill/>
-          </a:ln>
-        </p:spPr>
-        <p:txBody>
-          <a:bodyPr anchorCtr="0" anchor="t" bIns="0" lIns="0" spcFirstLastPara="1" rIns="0" wrap="square" tIns="0">
-            <a:spAutoFit/>
-          </a:bodyPr>
-          <a:lstStyle/>
-          <a:p>
-            <a:pPr indent="0" lvl="0" marL="0" rtl="0" algn="l">
-              <a:spcBef>
-                <a:spcPts val="0"/>
-              </a:spcBef>
-              <a:spcAft>
-                <a:spcPts val="0"/>
-              </a:spcAft>
-              <a:buNone/>
-            </a:pPr>
-            <a:r>
-              <a:rPr lang="en" sz="1200">
-                <a:latin typeface="Source Sans Pro"/>
-                <a:ea typeface="Source Sans Pro"/>
-                <a:cs typeface="Source Sans Pro"/>
-                <a:sym typeface="Source Sans Pro"/>
-              </a:rPr>
-              <a:t>new product / Software-as-a-Service</a:t>
-            </a:r>
-            <a:endParaRPr sz="1200">
-              <a:latin typeface="Source Sans Pro"/>
-              <a:ea typeface="Source Sans Pro"/>
-              <a:cs typeface="Source Sans Pro"/>
-              <a:sym typeface="Source Sans Pro"/>
-            </a:endParaRPr>
-          </a:p>
-        </p:txBody>
-      </p:sp>
-      <p:sp>
-        <p:nvSpPr>
-          <p:cNvPr id="29" name="Google Shape;29;p5"/>
-          <p:cNvSpPr txBox="1"/>
-          <p:nvPr/>
-        </p:nvSpPr>
-        <p:spPr>
-          <a:xfrm>
-            <a:off x="892226" y="4430050"/>
-            <a:ext cx="3127200" cy="184800"/>
-          </a:xfrm>
-          <a:prstGeom prst="rect">
-            <a:avLst/>
-          </a:prstGeom>
-          <a:noFill/>
-          <a:ln>
-            <a:noFill/>
-          </a:ln>
-        </p:spPr>
-        <p:txBody>
-          <a:bodyPr anchorCtr="0" anchor="t" bIns="0" lIns="0" spcFirstLastPara="1" rIns="0" wrap="square" tIns="0">
-            <a:spAutoFit/>
-          </a:bodyPr>
-          <a:lstStyle/>
-          <a:p>
-            <a:pPr indent="0" lvl="0" marL="0" rtl="0" algn="l">
-              <a:spcBef>
-                <a:spcPts val="0"/>
-              </a:spcBef>
-              <a:spcAft>
-                <a:spcPts val="0"/>
-              </a:spcAft>
-              <a:buNone/>
-            </a:pPr>
-            <a:r>
-              <a:rPr lang="en" sz="1200">
-                <a:latin typeface="Source Sans Pro"/>
-                <a:ea typeface="Source Sans Pro"/>
-                <a:cs typeface="Source Sans Pro"/>
-                <a:sym typeface="Source Sans Pro"/>
-              </a:rPr>
-              <a:t>other:</a:t>
-            </a:r>
-            <a:endParaRPr sz="1200">
-              <a:latin typeface="Source Sans Pro"/>
-              <a:ea typeface="Source Sans Pro"/>
-              <a:cs typeface="Source Sans Pro"/>
-              <a:sym typeface="Source Sans Pro"/>
-            </a:endParaRPr>
-          </a:p>
-        </p:txBody>
-      </p:sp>
-      <p:sp>
-        <p:nvSpPr>
-          <p:cNvPr id="30" name="Google Shape;30;p5"/>
-          <p:cNvSpPr txBox="1"/>
-          <p:nvPr/>
-        </p:nvSpPr>
-        <p:spPr>
-          <a:xfrm>
-            <a:off x="602303" y="3645720"/>
+            <a:off x="602303" y="4175120"/>
             <a:ext cx="186000" cy="184800"/>
           </a:xfrm>
           <a:prstGeom prst="rect">
@@ -3373,13 +3264,13 @@
       </p:sp>
       <p:sp>
         <p:nvSpPr>
-          <p:cNvPr id="31" name="Google Shape;31;p5"/>
+          <p:cNvPr id="29" name="Google Shape;29;p5"/>
           <p:cNvSpPr txBox="1"/>
           <p:nvPr/>
         </p:nvSpPr>
         <p:spPr>
           <a:xfrm>
-            <a:off x="602303" y="3910409"/>
+            <a:off x="602303" y="4439809"/>
             <a:ext cx="186000" cy="184800"/>
           </a:xfrm>
           <a:prstGeom prst="rect">
@@ -3421,110 +3312,14 @@
       </p:sp>
       <p:sp>
         <p:nvSpPr>
-          <p:cNvPr id="32" name="Google Shape;32;p5"/>
-          <p:cNvSpPr txBox="1"/>
-          <p:nvPr/>
-        </p:nvSpPr>
-        <p:spPr>
-          <a:xfrm>
-            <a:off x="602303" y="4175112"/>
-            <a:ext cx="186000" cy="184800"/>
-          </a:xfrm>
-          <a:prstGeom prst="rect">
-            <a:avLst/>
-          </a:prstGeom>
-          <a:solidFill>
-            <a:srgbClr val="CFE2F3"/>
-          </a:solidFill>
-          <a:ln>
-            <a:noFill/>
-          </a:ln>
-        </p:spPr>
-        <p:txBody>
-          <a:bodyPr anchorCtr="0" anchor="t" bIns="0" lIns="0" spcFirstLastPara="1" rIns="0" wrap="square" tIns="0">
-            <a:spAutoFit/>
-          </a:bodyPr>
-          <a:lstStyle/>
-          <a:p>
-            <a:pPr indent="0" lvl="0" marL="0" rtl="0" algn="ctr">
-              <a:spcBef>
-                <a:spcPts val="0"/>
-              </a:spcBef>
-              <a:spcAft>
-                <a:spcPts val="0"/>
-              </a:spcAft>
-              <a:buNone/>
-            </a:pPr>
-            <a:r>
-              <a:t/>
-            </a:r>
-            <a:endParaRPr sz="1200">
-              <a:latin typeface="Source Sans Pro"/>
-              <a:ea typeface="Source Sans Pro"/>
-              <a:cs typeface="Source Sans Pro"/>
-              <a:sym typeface="Source Sans Pro"/>
-            </a:endParaRPr>
-          </a:p>
-        </p:txBody>
-      </p:sp>
-      <p:sp>
-        <p:nvSpPr>
-          <p:cNvPr id="33" name="Google Shape;33;p5"/>
-          <p:cNvSpPr txBox="1"/>
-          <p:nvPr/>
-        </p:nvSpPr>
-        <p:spPr>
-          <a:xfrm>
-            <a:off x="602303" y="4439801"/>
-            <a:ext cx="186000" cy="184800"/>
-          </a:xfrm>
-          <a:prstGeom prst="rect">
-            <a:avLst/>
-          </a:prstGeom>
-          <a:solidFill>
-            <a:srgbClr val="CFE2F3"/>
-          </a:solidFill>
-          <a:ln>
-            <a:noFill/>
-          </a:ln>
-        </p:spPr>
-        <p:txBody>
-          <a:bodyPr anchorCtr="0" anchor="t" bIns="0" lIns="0" spcFirstLastPara="1" rIns="0" wrap="square" tIns="0">
-            <a:spAutoFit/>
-          </a:bodyPr>
-          <a:lstStyle/>
-          <a:p>
-            <a:pPr indent="0" lvl="0" marL="0" rtl="0" algn="ctr">
-              <a:spcBef>
-                <a:spcPts val="0"/>
-              </a:spcBef>
-              <a:spcAft>
-                <a:spcPts val="0"/>
-              </a:spcAft>
-              <a:buNone/>
-            </a:pPr>
-            <a:r>
-              <a:t/>
-            </a:r>
-            <a:endParaRPr sz="1200">
-              <a:latin typeface="Source Sans Pro"/>
-              <a:ea typeface="Source Sans Pro"/>
-              <a:cs typeface="Source Sans Pro"/>
-              <a:sym typeface="Source Sans Pro"/>
-            </a:endParaRPr>
-          </a:p>
-        </p:txBody>
-      </p:sp>
-      <p:sp>
-        <p:nvSpPr>
-          <p:cNvPr id="34" name="Google Shape;34;p5"/>
+          <p:cNvPr id="30" name="Google Shape;30;p5"/>
           <p:cNvSpPr txBox="1"/>
           <p:nvPr/>
         </p:nvSpPr>
         <p:spPr>
           <a:xfrm>
             <a:off x="526375" y="1299550"/>
-            <a:ext cx="3493200" cy="1857000"/>
+            <a:ext cx="3493200" cy="2379600"/>
           </a:xfrm>
           <a:prstGeom prst="rect">
             <a:avLst/>
@@ -3623,7 +3418,7 @@
       </p:sp>
       <p:sp>
         <p:nvSpPr>
-          <p:cNvPr id="35" name="Google Shape;35;p5"/>
+          <p:cNvPr id="31" name="Google Shape;31;p5"/>
           <p:cNvSpPr txBox="1"/>
           <p:nvPr/>
         </p:nvSpPr>
@@ -3659,18 +3454,18 @@
             </a:pPr>
             <a:r>
               <a:rPr lang="en">
-                <a:latin typeface="Source Sans Pro Light"/>
-                <a:ea typeface="Source Sans Pro Light"/>
-                <a:cs typeface="Source Sans Pro Light"/>
-                <a:sym typeface="Source Sans Pro Light"/>
+                <a:latin typeface="Source Sans Pro"/>
+                <a:ea typeface="Source Sans Pro"/>
+                <a:cs typeface="Source Sans Pro"/>
+                <a:sym typeface="Source Sans Pro"/>
               </a:rPr>
               <a:t>picture (optional)</a:t>
             </a:r>
             <a:endParaRPr>
-              <a:latin typeface="Source Sans Pro Light"/>
-              <a:ea typeface="Source Sans Pro Light"/>
-              <a:cs typeface="Source Sans Pro Light"/>
-              <a:sym typeface="Source Sans Pro Light"/>
+              <a:latin typeface="Source Sans Pro"/>
+              <a:ea typeface="Source Sans Pro"/>
+              <a:cs typeface="Source Sans Pro"/>
+              <a:sym typeface="Source Sans Pro"/>
             </a:endParaRPr>
           </a:p>
         </p:txBody>
@@ -3688,7 +3483,7 @@
   <p:cSld>
     <p:spTree>
       <p:nvGrpSpPr>
-        <p:cNvPr id="39" name="Shape 39"/>
+        <p:cNvPr id="35" name="Shape 35"/>
         <p:cNvGrpSpPr/>
         <p:nvPr/>
       </p:nvGrpSpPr>
@@ -3702,7 +3497,7 @@
       </p:grpSpPr>
       <p:sp>
         <p:nvSpPr>
-          <p:cNvPr id="40" name="Google Shape;40;p6"/>
+          <p:cNvPr id="36" name="Google Shape;36;p6"/>
           <p:cNvSpPr txBox="1"/>
           <p:nvPr/>
         </p:nvSpPr>
@@ -3754,7 +3549,7 @@
       </p:sp>
       <p:sp>
         <p:nvSpPr>
-          <p:cNvPr id="41" name="Google Shape;41;p6"/>
+          <p:cNvPr id="37" name="Google Shape;37;p6"/>
           <p:cNvSpPr txBox="1"/>
           <p:nvPr/>
         </p:nvSpPr>
@@ -3806,7 +3601,7 @@
       </p:sp>
       <p:sp>
         <p:nvSpPr>
-          <p:cNvPr id="42" name="Google Shape;42;p6"/>
+          <p:cNvPr id="38" name="Google Shape;38;p6"/>
           <p:cNvSpPr txBox="1"/>
           <p:nvPr/>
         </p:nvSpPr>
@@ -3840,25 +3635,25 @@
             </a:pPr>
             <a:r>
               <a:rPr lang="en" sz="2200">
-                <a:latin typeface="Source Sans Pro Light"/>
-                <a:ea typeface="Source Sans Pro Light"/>
-                <a:cs typeface="Source Sans Pro Light"/>
-                <a:sym typeface="Source Sans Pro Light"/>
+                <a:latin typeface="Source Sans Pro"/>
+                <a:ea typeface="Source Sans Pro"/>
+                <a:cs typeface="Source Sans Pro"/>
+                <a:sym typeface="Source Sans Pro"/>
               </a:rPr>
               <a:t>Solution Outline</a:t>
             </a:r>
             <a:endParaRPr sz="2200">
-              <a:latin typeface="Source Sans Pro Light"/>
-              <a:ea typeface="Source Sans Pro Light"/>
-              <a:cs typeface="Source Sans Pro Light"/>
-              <a:sym typeface="Source Sans Pro Light"/>
+              <a:latin typeface="Source Sans Pro"/>
+              <a:ea typeface="Source Sans Pro"/>
+              <a:cs typeface="Source Sans Pro"/>
+              <a:sym typeface="Source Sans Pro"/>
             </a:endParaRPr>
           </a:p>
         </p:txBody>
       </p:sp>
       <p:sp>
         <p:nvSpPr>
-          <p:cNvPr id="43" name="Google Shape;43;p6"/>
+          <p:cNvPr id="39" name="Google Shape;39;p6"/>
           <p:cNvSpPr txBox="1"/>
           <p:nvPr/>
         </p:nvSpPr>
@@ -3919,7 +3714,7 @@
       </p:sp>
       <p:sp>
         <p:nvSpPr>
-          <p:cNvPr id="44" name="Google Shape;44;p6"/>
+          <p:cNvPr id="40" name="Google Shape;40;p6"/>
           <p:cNvSpPr txBox="1"/>
           <p:nvPr/>
         </p:nvSpPr>
@@ -3965,10 +3760,10 @@
                 <a:solidFill>
                   <a:schemeClr val="dk1"/>
                 </a:solidFill>
-                <a:latin typeface="Source Sans Pro Light"/>
-                <a:ea typeface="Source Sans Pro Light"/>
-                <a:cs typeface="Source Sans Pro Light"/>
-                <a:sym typeface="Source Sans Pro Light"/>
+                <a:latin typeface="Source Sans Pro"/>
+                <a:ea typeface="Source Sans Pro"/>
+                <a:cs typeface="Source Sans Pro"/>
+                <a:sym typeface="Source Sans Pro"/>
               </a:rPr>
               <a:t>_____________</a:t>
             </a:r>
@@ -3983,7 +3778,7 @@
       </p:sp>
       <p:sp>
         <p:nvSpPr>
-          <p:cNvPr id="45" name="Google Shape;45;p6"/>
+          <p:cNvPr id="41" name="Google Shape;41;p6"/>
           <p:cNvSpPr txBox="1"/>
           <p:nvPr/>
         </p:nvSpPr>
@@ -4035,7 +3830,7 @@
       </p:sp>
       <p:sp>
         <p:nvSpPr>
-          <p:cNvPr id="46" name="Google Shape;46;p6"/>
+          <p:cNvPr id="42" name="Google Shape;42;p6"/>
           <p:cNvSpPr txBox="1"/>
           <p:nvPr/>
         </p:nvSpPr>
@@ -4087,7 +3882,7 @@
       </p:sp>
       <p:sp>
         <p:nvSpPr>
-          <p:cNvPr id="47" name="Google Shape;47;p6"/>
+          <p:cNvPr id="43" name="Google Shape;43;p6"/>
           <p:cNvSpPr txBox="1"/>
           <p:nvPr/>
         </p:nvSpPr>
@@ -4130,25 +3925,25 @@
             </a:r>
             <a:r>
               <a:rPr lang="en" sz="1200">
-                <a:latin typeface="Source Sans Pro Light"/>
-                <a:ea typeface="Source Sans Pro Light"/>
-                <a:cs typeface="Source Sans Pro Light"/>
-                <a:sym typeface="Source Sans Pro Light"/>
+                <a:latin typeface="Source Sans Pro"/>
+                <a:ea typeface="Source Sans Pro"/>
+                <a:cs typeface="Source Sans Pro"/>
+                <a:sym typeface="Source Sans Pro"/>
               </a:rPr>
               <a:t>(e.g., audio, video)</a:t>
             </a:r>
             <a:endParaRPr sz="1200">
-              <a:latin typeface="Source Sans Pro Light"/>
-              <a:ea typeface="Source Sans Pro Light"/>
-              <a:cs typeface="Source Sans Pro Light"/>
-              <a:sym typeface="Source Sans Pro Light"/>
+              <a:latin typeface="Source Sans Pro"/>
+              <a:ea typeface="Source Sans Pro"/>
+              <a:cs typeface="Source Sans Pro"/>
+              <a:sym typeface="Source Sans Pro"/>
             </a:endParaRPr>
           </a:p>
         </p:txBody>
       </p:sp>
       <p:sp>
         <p:nvSpPr>
-          <p:cNvPr id="48" name="Google Shape;48;p6"/>
+          <p:cNvPr id="44" name="Google Shape;44;p6"/>
           <p:cNvSpPr txBox="1"/>
           <p:nvPr/>
         </p:nvSpPr>
@@ -4196,7 +3991,7 @@
       </p:sp>
       <p:sp>
         <p:nvSpPr>
-          <p:cNvPr id="49" name="Google Shape;49;p6"/>
+          <p:cNvPr id="45" name="Google Shape;45;p6"/>
           <p:cNvSpPr txBox="1"/>
           <p:nvPr/>
         </p:nvSpPr>
@@ -4244,7 +4039,7 @@
       </p:sp>
       <p:sp>
         <p:nvSpPr>
-          <p:cNvPr id="50" name="Google Shape;50;p6"/>
+          <p:cNvPr id="46" name="Google Shape;46;p6"/>
           <p:cNvSpPr txBox="1"/>
           <p:nvPr/>
         </p:nvSpPr>
@@ -4292,7 +4087,7 @@
       </p:sp>
       <p:sp>
         <p:nvSpPr>
-          <p:cNvPr id="51" name="Google Shape;51;p6"/>
+          <p:cNvPr id="47" name="Google Shape;47;p6"/>
           <p:cNvSpPr txBox="1"/>
           <p:nvPr/>
         </p:nvSpPr>
@@ -4340,7 +4135,7 @@
       </p:sp>
       <p:sp>
         <p:nvSpPr>
-          <p:cNvPr id="52" name="Google Shape;52;p6"/>
+          <p:cNvPr id="48" name="Google Shape;48;p6"/>
           <p:cNvSpPr txBox="1"/>
           <p:nvPr/>
         </p:nvSpPr>
@@ -4394,7 +4189,7 @@
       </p:sp>
       <p:sp>
         <p:nvSpPr>
-          <p:cNvPr id="53" name="Google Shape;53;p6"/>
+          <p:cNvPr id="49" name="Google Shape;49;p6"/>
           <p:cNvSpPr txBox="1"/>
           <p:nvPr/>
         </p:nvSpPr>
@@ -4428,10 +4223,10 @@
             </a:pPr>
             <a:r>
               <a:rPr lang="en" sz="1200">
-                <a:latin typeface="Source Sans Pro Light"/>
-                <a:ea typeface="Source Sans Pro Light"/>
-                <a:cs typeface="Source Sans Pro Light"/>
-                <a:sym typeface="Source Sans Pro Light"/>
+                <a:latin typeface="Source Sans Pro"/>
+                <a:ea typeface="Source Sans Pro"/>
+                <a:cs typeface="Source Sans Pro"/>
+                <a:sym typeface="Source Sans Pro"/>
               </a:rPr>
               <a:t>Dimensionality Reduction:</a:t>
             </a:r>
@@ -4455,7 +4250,7 @@
       </p:sp>
       <p:sp>
         <p:nvSpPr>
-          <p:cNvPr id="54" name="Google Shape;54;p6"/>
+          <p:cNvPr id="50" name="Google Shape;50;p6"/>
           <p:cNvSpPr txBox="1"/>
           <p:nvPr/>
         </p:nvSpPr>
@@ -4489,10 +4284,10 @@
             </a:pPr>
             <a:r>
               <a:rPr lang="en" sz="1200">
-                <a:latin typeface="Source Sans Pro Light"/>
-                <a:ea typeface="Source Sans Pro Light"/>
-                <a:cs typeface="Source Sans Pro Light"/>
-                <a:sym typeface="Source Sans Pro Light"/>
+                <a:latin typeface="Source Sans Pro"/>
+                <a:ea typeface="Source Sans Pro"/>
+                <a:cs typeface="Source Sans Pro"/>
+                <a:sym typeface="Source Sans Pro"/>
               </a:rPr>
               <a:t>Outlier Detection:</a:t>
             </a:r>
@@ -4516,13 +4311,13 @@
       </p:sp>
       <p:sp>
         <p:nvSpPr>
-          <p:cNvPr id="55" name="Google Shape;55;p6"/>
+          <p:cNvPr id="51" name="Google Shape;51;p6"/>
           <p:cNvSpPr txBox="1"/>
           <p:nvPr/>
         </p:nvSpPr>
         <p:spPr>
           <a:xfrm>
-            <a:off x="4529077" y="1913975"/>
+            <a:off x="4540688" y="1913975"/>
             <a:ext cx="4023600" cy="184800"/>
           </a:xfrm>
           <a:prstGeom prst="rect">
@@ -4550,10 +4345,10 @@
             </a:pPr>
             <a:r>
               <a:rPr lang="en" sz="1200">
-                <a:latin typeface="Source Sans Pro Light"/>
-                <a:ea typeface="Source Sans Pro Light"/>
-                <a:cs typeface="Source Sans Pro Light"/>
-                <a:sym typeface="Source Sans Pro Light"/>
+                <a:latin typeface="Source Sans Pro"/>
+                <a:ea typeface="Source Sans Pro"/>
+                <a:cs typeface="Source Sans Pro"/>
+                <a:sym typeface="Source Sans Pro"/>
               </a:rPr>
               <a:t>Clustering: </a:t>
             </a:r>
@@ -4577,7 +4372,7 @@
       </p:sp>
       <p:sp>
         <p:nvSpPr>
-          <p:cNvPr id="56" name="Google Shape;56;p6"/>
+          <p:cNvPr id="52" name="Google Shape;52;p6"/>
           <p:cNvSpPr txBox="1"/>
           <p:nvPr/>
         </p:nvSpPr>
@@ -4625,7 +4420,7 @@
       </p:sp>
       <p:sp>
         <p:nvSpPr>
-          <p:cNvPr id="57" name="Google Shape;57;p6"/>
+          <p:cNvPr id="53" name="Google Shape;53;p6"/>
           <p:cNvSpPr txBox="1"/>
           <p:nvPr/>
         </p:nvSpPr>
@@ -4673,7 +4468,7 @@
       </p:sp>
       <p:sp>
         <p:nvSpPr>
-          <p:cNvPr id="58" name="Google Shape;58;p6"/>
+          <p:cNvPr id="54" name="Google Shape;54;p6"/>
           <p:cNvSpPr txBox="1"/>
           <p:nvPr/>
         </p:nvSpPr>
@@ -4721,13 +4516,13 @@
       </p:sp>
       <p:sp>
         <p:nvSpPr>
-          <p:cNvPr id="59" name="Google Shape;59;p6"/>
+          <p:cNvPr id="55" name="Google Shape;55;p6"/>
           <p:cNvSpPr txBox="1"/>
           <p:nvPr/>
         </p:nvSpPr>
         <p:spPr>
           <a:xfrm>
-            <a:off x="4541000" y="2182875"/>
+            <a:off x="4535194" y="2182875"/>
             <a:ext cx="4023600" cy="184800"/>
           </a:xfrm>
           <a:prstGeom prst="rect">
@@ -4755,19 +4550,19 @@
             </a:pPr>
             <a:r>
               <a:rPr lang="en" sz="1200">
-                <a:latin typeface="Source Sans Pro Light"/>
-                <a:ea typeface="Source Sans Pro Light"/>
-                <a:cs typeface="Source Sans Pro Light"/>
-                <a:sym typeface="Source Sans Pro Light"/>
+                <a:latin typeface="Source Sans Pro"/>
+                <a:ea typeface="Source Sans Pro"/>
+                <a:cs typeface="Source Sans Pro"/>
+                <a:sym typeface="Source Sans Pro"/>
               </a:rPr>
               <a:t>Regression</a:t>
             </a:r>
             <a:r>
               <a:rPr lang="en" sz="1200">
-                <a:latin typeface="Source Sans Pro Light"/>
-                <a:ea typeface="Source Sans Pro Light"/>
-                <a:cs typeface="Source Sans Pro Light"/>
-                <a:sym typeface="Source Sans Pro Light"/>
+                <a:latin typeface="Source Sans Pro"/>
+                <a:ea typeface="Source Sans Pro"/>
+                <a:cs typeface="Source Sans Pro"/>
+                <a:sym typeface="Source Sans Pro"/>
               </a:rPr>
               <a:t>:</a:t>
             </a:r>
@@ -4782,31 +4577,31 @@
             </a:r>
             <a:r>
               <a:rPr lang="en" sz="1200">
-                <a:latin typeface="Source Sans Pro Light"/>
-                <a:ea typeface="Source Sans Pro Light"/>
-                <a:cs typeface="Source Sans Pro Light"/>
-                <a:sym typeface="Source Sans Pro Light"/>
+                <a:latin typeface="Source Sans Pro"/>
+                <a:ea typeface="Source Sans Pro"/>
+                <a:cs typeface="Source Sans Pro"/>
+                <a:sym typeface="Source Sans Pro"/>
               </a:rPr>
               <a:t>_____________</a:t>
             </a:r>
             <a:endParaRPr sz="1200">
-              <a:latin typeface="Source Sans Pro Light"/>
-              <a:ea typeface="Source Sans Pro Light"/>
-              <a:cs typeface="Source Sans Pro Light"/>
-              <a:sym typeface="Source Sans Pro Light"/>
+              <a:latin typeface="Source Sans Pro"/>
+              <a:ea typeface="Source Sans Pro"/>
+              <a:cs typeface="Source Sans Pro"/>
+              <a:sym typeface="Source Sans Pro"/>
             </a:endParaRPr>
           </a:p>
         </p:txBody>
       </p:sp>
       <p:sp>
         <p:nvSpPr>
-          <p:cNvPr id="60" name="Google Shape;60;p6"/>
+          <p:cNvPr id="56" name="Google Shape;56;p6"/>
           <p:cNvSpPr txBox="1"/>
           <p:nvPr/>
         </p:nvSpPr>
         <p:spPr>
           <a:xfrm>
-            <a:off x="4541000" y="2448625"/>
+            <a:off x="4535194" y="2448625"/>
             <a:ext cx="4023600" cy="184800"/>
           </a:xfrm>
           <a:prstGeom prst="rect">
@@ -4842,10 +4637,10 @@
                 <a:solidFill>
                   <a:schemeClr val="dk1"/>
                 </a:solidFill>
-                <a:latin typeface="Source Sans Pro Light"/>
-                <a:ea typeface="Source Sans Pro Light"/>
-                <a:cs typeface="Source Sans Pro Light"/>
-                <a:sym typeface="Source Sans Pro Light"/>
+                <a:latin typeface="Source Sans Pro"/>
+                <a:ea typeface="Source Sans Pro"/>
+                <a:cs typeface="Source Sans Pro"/>
+                <a:sym typeface="Source Sans Pro"/>
               </a:rPr>
               <a:t>Classification</a:t>
             </a:r>
@@ -4854,10 +4649,10 @@
                 <a:solidFill>
                   <a:schemeClr val="dk1"/>
                 </a:solidFill>
-                <a:latin typeface="Source Sans Pro Light"/>
-                <a:ea typeface="Source Sans Pro Light"/>
-                <a:cs typeface="Source Sans Pro Light"/>
-                <a:sym typeface="Source Sans Pro Light"/>
+                <a:latin typeface="Source Sans Pro"/>
+                <a:ea typeface="Source Sans Pro"/>
+                <a:cs typeface="Source Sans Pro"/>
+                <a:sym typeface="Source Sans Pro"/>
               </a:rPr>
               <a:t>:</a:t>
             </a:r>
@@ -4878,25 +4673,25 @@
                 <a:solidFill>
                   <a:schemeClr val="dk1"/>
                 </a:solidFill>
-                <a:latin typeface="Source Sans Pro Light"/>
-                <a:ea typeface="Source Sans Pro Light"/>
-                <a:cs typeface="Source Sans Pro Light"/>
-                <a:sym typeface="Source Sans Pro Light"/>
+                <a:latin typeface="Source Sans Pro"/>
+                <a:ea typeface="Source Sans Pro"/>
+                <a:cs typeface="Source Sans Pro"/>
+                <a:sym typeface="Source Sans Pro"/>
               </a:rPr>
               <a:t>_____________</a:t>
             </a:r>
             <a:endParaRPr sz="1200">
-              <a:latin typeface="Source Sans Pro Light"/>
-              <a:ea typeface="Source Sans Pro Light"/>
-              <a:cs typeface="Source Sans Pro Light"/>
-              <a:sym typeface="Source Sans Pro Light"/>
+              <a:latin typeface="Source Sans Pro"/>
+              <a:ea typeface="Source Sans Pro"/>
+              <a:cs typeface="Source Sans Pro"/>
+              <a:sym typeface="Source Sans Pro"/>
             </a:endParaRPr>
           </a:p>
         </p:txBody>
       </p:sp>
       <p:sp>
         <p:nvSpPr>
-          <p:cNvPr id="61" name="Google Shape;61;p6"/>
+          <p:cNvPr id="57" name="Google Shape;57;p6"/>
           <p:cNvSpPr txBox="1"/>
           <p:nvPr/>
         </p:nvSpPr>
@@ -4930,19 +4725,19 @@
             </a:pPr>
             <a:r>
               <a:rPr lang="en" sz="1200">
-                <a:latin typeface="Source Sans Pro Light"/>
-                <a:ea typeface="Source Sans Pro Light"/>
-                <a:cs typeface="Source Sans Pro Light"/>
-                <a:sym typeface="Source Sans Pro Light"/>
+                <a:latin typeface="Source Sans Pro"/>
+                <a:ea typeface="Source Sans Pro"/>
+                <a:cs typeface="Source Sans Pro"/>
+                <a:sym typeface="Source Sans Pro"/>
               </a:rPr>
               <a:t>Recommender Systems/Information Retrieval</a:t>
             </a:r>
             <a:r>
               <a:rPr lang="en" sz="1200">
-                <a:latin typeface="Source Sans Pro Light"/>
-                <a:ea typeface="Source Sans Pro Light"/>
-                <a:cs typeface="Source Sans Pro Light"/>
-                <a:sym typeface="Source Sans Pro Light"/>
+                <a:latin typeface="Source Sans Pro"/>
+                <a:ea typeface="Source Sans Pro"/>
+                <a:cs typeface="Source Sans Pro"/>
+                <a:sym typeface="Source Sans Pro"/>
               </a:rPr>
               <a:t>: </a:t>
             </a:r>
@@ -4966,7 +4761,7 @@
       </p:sp>
       <p:sp>
         <p:nvSpPr>
-          <p:cNvPr id="62" name="Google Shape;62;p6"/>
+          <p:cNvPr id="58" name="Google Shape;58;p6"/>
           <p:cNvSpPr txBox="1"/>
           <p:nvPr/>
         </p:nvSpPr>
@@ -5014,7 +4809,7 @@
       </p:sp>
       <p:sp>
         <p:nvSpPr>
-          <p:cNvPr id="63" name="Google Shape;63;p6"/>
+          <p:cNvPr id="59" name="Google Shape;59;p6"/>
           <p:cNvSpPr txBox="1"/>
           <p:nvPr/>
         </p:nvSpPr>
@@ -5062,7 +4857,7 @@
       </p:sp>
       <p:sp>
         <p:nvSpPr>
-          <p:cNvPr id="64" name="Google Shape;64;p6"/>
+          <p:cNvPr id="60" name="Google Shape;60;p6"/>
           <p:cNvSpPr txBox="1"/>
           <p:nvPr/>
         </p:nvSpPr>
@@ -5110,7 +4905,7 @@
       </p:sp>
       <p:sp>
         <p:nvSpPr>
-          <p:cNvPr id="65" name="Google Shape;65;p6"/>
+          <p:cNvPr id="61" name="Google Shape;61;p6"/>
           <p:cNvSpPr txBox="1"/>
           <p:nvPr/>
         </p:nvSpPr>
@@ -5144,19 +4939,19 @@
             </a:pPr>
             <a:r>
               <a:rPr lang="en" sz="1200">
-                <a:latin typeface="Source Sans Pro Light"/>
-                <a:ea typeface="Source Sans Pro Light"/>
-                <a:cs typeface="Source Sans Pro Light"/>
-                <a:sym typeface="Source Sans Pro Light"/>
+                <a:latin typeface="Source Sans Pro"/>
+                <a:ea typeface="Source Sans Pro"/>
+                <a:cs typeface="Source Sans Pro"/>
+                <a:sym typeface="Source Sans Pro"/>
               </a:rPr>
               <a:t>Deep Learning</a:t>
             </a:r>
             <a:r>
               <a:rPr lang="en" sz="1200">
-                <a:latin typeface="Source Sans Pro Light"/>
-                <a:ea typeface="Source Sans Pro Light"/>
-                <a:cs typeface="Source Sans Pro Light"/>
-                <a:sym typeface="Source Sans Pro Light"/>
+                <a:latin typeface="Source Sans Pro"/>
+                <a:ea typeface="Source Sans Pro"/>
+                <a:cs typeface="Source Sans Pro"/>
+                <a:sym typeface="Source Sans Pro"/>
               </a:rPr>
               <a:t>: </a:t>
             </a:r>
@@ -5186,25 +4981,25 @@
                 <a:solidFill>
                   <a:schemeClr val="dk1"/>
                 </a:solidFill>
-                <a:latin typeface="Source Sans Pro Light"/>
-                <a:ea typeface="Source Sans Pro Light"/>
-                <a:cs typeface="Source Sans Pro Light"/>
-                <a:sym typeface="Source Sans Pro Light"/>
+                <a:latin typeface="Source Sans Pro"/>
+                <a:ea typeface="Source Sans Pro"/>
+                <a:cs typeface="Source Sans Pro"/>
+                <a:sym typeface="Source Sans Pro"/>
               </a:rPr>
               <a:t>_____________</a:t>
             </a:r>
             <a:endParaRPr sz="1200">
-              <a:latin typeface="Source Sans Pro Light"/>
-              <a:ea typeface="Source Sans Pro Light"/>
-              <a:cs typeface="Source Sans Pro Light"/>
-              <a:sym typeface="Source Sans Pro Light"/>
+              <a:latin typeface="Source Sans Pro"/>
+              <a:ea typeface="Source Sans Pro"/>
+              <a:cs typeface="Source Sans Pro"/>
+              <a:sym typeface="Source Sans Pro"/>
             </a:endParaRPr>
           </a:p>
         </p:txBody>
       </p:sp>
       <p:sp>
         <p:nvSpPr>
-          <p:cNvPr id="66" name="Google Shape;66;p6"/>
+          <p:cNvPr id="62" name="Google Shape;62;p6"/>
           <p:cNvSpPr txBox="1"/>
           <p:nvPr/>
         </p:nvSpPr>
@@ -5252,7 +5047,7 @@
       </p:sp>
       <p:sp>
         <p:nvSpPr>
-          <p:cNvPr id="67" name="Google Shape;67;p6"/>
+          <p:cNvPr id="63" name="Google Shape;63;p6"/>
           <p:cNvSpPr txBox="1"/>
           <p:nvPr/>
         </p:nvSpPr>
@@ -5304,7 +5099,7 @@
       </p:sp>
       <p:sp>
         <p:nvSpPr>
-          <p:cNvPr id="68" name="Google Shape;68;p6"/>
+          <p:cNvPr id="64" name="Google Shape;64;p6"/>
           <p:cNvSpPr txBox="1"/>
           <p:nvPr/>
         </p:nvSpPr>
@@ -5356,7 +5151,7 @@
       </p:sp>
       <p:sp>
         <p:nvSpPr>
-          <p:cNvPr id="69" name="Google Shape;69;p6"/>
+          <p:cNvPr id="65" name="Google Shape;65;p6"/>
           <p:cNvSpPr txBox="1"/>
           <p:nvPr/>
         </p:nvSpPr>
@@ -5404,7 +5199,7 @@
       </p:sp>
       <p:sp>
         <p:nvSpPr>
-          <p:cNvPr id="70" name="Google Shape;70;p6"/>
+          <p:cNvPr id="66" name="Google Shape;66;p6"/>
           <p:cNvSpPr txBox="1"/>
           <p:nvPr/>
         </p:nvSpPr>
@@ -5452,7 +5247,7 @@
       </p:sp>
       <p:sp>
         <p:nvSpPr>
-          <p:cNvPr id="71" name="Google Shape;71;p6"/>
+          <p:cNvPr id="67" name="Google Shape;67;p6"/>
           <p:cNvSpPr txBox="1"/>
           <p:nvPr/>
         </p:nvSpPr>

--- a/mlws_resources/exercise_industry_spotlights_template.pptx
+++ b/mlws_resources/exercise_industry_spotlights_template.pptx
@@ -4167,16 +4167,24 @@
               <a:spcAft>
                 <a:spcPts val="0"/>
               </a:spcAft>
+              <a:buClr>
+                <a:schemeClr val="dk1"/>
+              </a:buClr>
+              <a:buSzPct val="91666"/>
+              <a:buFont typeface="Arial"/>
               <a:buNone/>
             </a:pPr>
             <a:r>
               <a:rPr lang="en" sz="1200">
+                <a:solidFill>
+                  <a:schemeClr val="dk1"/>
+                </a:solidFill>
                 <a:latin typeface="Source Sans Pro"/>
                 <a:ea typeface="Source Sans Pro"/>
                 <a:cs typeface="Source Sans Pro"/>
                 <a:sym typeface="Source Sans Pro"/>
               </a:rPr>
-              <a:t>What is one unit / observation, for which they have these measurements?</a:t>
+              <a:t>What is one interaction that generates these measurements?</a:t>
             </a:r>
             <a:endParaRPr sz="1200">
               <a:latin typeface="Source Sans Pro"/>
@@ -5306,6 +5314,285 @@
 </file>
 
 <file path=ppt/theme/theme1.xml><?xml version="1.0" encoding="utf-8"?>
+<a:theme xmlns:a="http://schemas.openxmlformats.org/drawingml/2006/main" xmlns:r="http://schemas.openxmlformats.org/officeDocument/2006/relationships" name="Franzi">
+  <a:themeElements>
+    <a:clrScheme name="Simple Light">
+      <a:dk1>
+        <a:srgbClr val="000000"/>
+      </a:dk1>
+      <a:lt1>
+        <a:srgbClr val="FFFFFF"/>
+      </a:lt1>
+      <a:dk2>
+        <a:srgbClr val="595959"/>
+      </a:dk2>
+      <a:lt2>
+        <a:srgbClr val="EEEEEE"/>
+      </a:lt2>
+      <a:accent1>
+        <a:srgbClr val="4285F4"/>
+      </a:accent1>
+      <a:accent2>
+        <a:srgbClr val="212121"/>
+      </a:accent2>
+      <a:accent3>
+        <a:srgbClr val="78909C"/>
+      </a:accent3>
+      <a:accent4>
+        <a:srgbClr val="FFAB40"/>
+      </a:accent4>
+      <a:accent5>
+        <a:srgbClr val="0097A7"/>
+      </a:accent5>
+      <a:accent6>
+        <a:srgbClr val="EEFF41"/>
+      </a:accent6>
+      <a:hlink>
+        <a:srgbClr val="0097A7"/>
+      </a:hlink>
+      <a:folHlink>
+        <a:srgbClr val="0097A7"/>
+      </a:folHlink>
+    </a:clrScheme>
+    <a:fontScheme name="Office">
+      <a:majorFont>
+        <a:latin typeface="Arial"/>
+        <a:ea typeface=""/>
+        <a:cs typeface=""/>
+        <a:font script="Jpan" typeface="ＭＳ Ｐゴシック"/>
+        <a:font script="Hang" typeface="맑은 고딕"/>
+        <a:font script="Hans" typeface="宋体"/>
+        <a:font script="Hant" typeface="新細明體"/>
+        <a:font script="Arab" typeface="Times New Roman"/>
+        <a:font script="Hebr" typeface="Times New Roman"/>
+        <a:font script="Thai" typeface="Angsana New"/>
+        <a:font script="Ethi" typeface="Nyala"/>
+        <a:font script="Beng" typeface="Vrinda"/>
+        <a:font script="Gujr" typeface="Shruti"/>
+        <a:font script="Khmr" typeface="MoolBoran"/>
+        <a:font script="Knda" typeface="Tunga"/>
+        <a:font script="Guru" typeface="Raavi"/>
+        <a:font script="Cans" typeface="Euphemia"/>
+        <a:font script="Cher" typeface="Plantagenet Cherokee"/>
+        <a:font script="Yiii" typeface="Microsoft Yi Baiti"/>
+        <a:font script="Tibt" typeface="Microsoft Himalaya"/>
+        <a:font script="Thaa" typeface="MV Boli"/>
+        <a:font script="Deva" typeface="Mangal"/>
+        <a:font script="Telu" typeface="Gautami"/>
+        <a:font script="Taml" typeface="Latha"/>
+        <a:font script="Syrc" typeface="Estrangelo Edessa"/>
+        <a:font script="Orya" typeface="Kalinga"/>
+        <a:font script="Mlym" typeface="Kartika"/>
+        <a:font script="Laoo" typeface="DokChampa"/>
+        <a:font script="Sinh" typeface="Iskoola Pota"/>
+        <a:font script="Mong" typeface="Mongolian Baiti"/>
+        <a:font script="Viet" typeface="Times New Roman"/>
+        <a:font script="Uigh" typeface="Microsoft Uighur"/>
+        <a:font script="Geor" typeface="Sylfaen"/>
+      </a:majorFont>
+      <a:minorFont>
+        <a:latin typeface="Arial"/>
+        <a:ea typeface=""/>
+        <a:cs typeface=""/>
+        <a:font script="Jpan" typeface="ＭＳ Ｐゴシック"/>
+        <a:font script="Hang" typeface="맑은 고딕"/>
+        <a:font script="Hans" typeface="宋体"/>
+        <a:font script="Hant" typeface="新細明體"/>
+        <a:font script="Arab" typeface="Arial"/>
+        <a:font script="Hebr" typeface="Arial"/>
+        <a:font script="Thai" typeface="Cordia New"/>
+        <a:font script="Ethi" typeface="Nyala"/>
+        <a:font script="Beng" typeface="Vrinda"/>
+        <a:font script="Gujr" typeface="Shruti"/>
+        <a:font script="Khmr" typeface="DaunPenh"/>
+        <a:font script="Knda" typeface="Tunga"/>
+        <a:font script="Guru" typeface="Raavi"/>
+        <a:font script="Cans" typeface="Euphemia"/>
+        <a:font script="Cher" typeface="Plantagenet Cherokee"/>
+        <a:font script="Yiii" typeface="Microsoft Yi Baiti"/>
+        <a:font script="Tibt" typeface="Microsoft Himalaya"/>
+        <a:font script="Thaa" typeface="MV Boli"/>
+        <a:font script="Deva" typeface="Mangal"/>
+        <a:font script="Telu" typeface="Gautami"/>
+        <a:font script="Taml" typeface="Latha"/>
+        <a:font script="Syrc" typeface="Estrangelo Edessa"/>
+        <a:font script="Orya" typeface="Kalinga"/>
+        <a:font script="Mlym" typeface="Kartika"/>
+        <a:font script="Laoo" typeface="DokChampa"/>
+        <a:font script="Sinh" typeface="Iskoola Pota"/>
+        <a:font script="Mong" typeface="Mongolian Baiti"/>
+        <a:font script="Viet" typeface="Arial"/>
+        <a:font script="Uigh" typeface="Microsoft Uighur"/>
+        <a:font script="Geor" typeface="Sylfaen"/>
+      </a:minorFont>
+    </a:fontScheme>
+    <a:fmtScheme name="Office">
+      <a:fillStyleLst>
+        <a:solidFill>
+          <a:schemeClr val="phClr"/>
+        </a:solidFill>
+        <a:gradFill rotWithShape="1">
+          <a:gsLst>
+            <a:gs pos="0">
+              <a:schemeClr val="phClr">
+                <a:tint val="50000"/>
+                <a:satMod val="300000"/>
+              </a:schemeClr>
+            </a:gs>
+            <a:gs pos="35000">
+              <a:schemeClr val="phClr">
+                <a:tint val="37000"/>
+                <a:satMod val="300000"/>
+              </a:schemeClr>
+            </a:gs>
+            <a:gs pos="100000">
+              <a:schemeClr val="phClr">
+                <a:tint val="15000"/>
+                <a:satMod val="350000"/>
+              </a:schemeClr>
+            </a:gs>
+          </a:gsLst>
+          <a:lin ang="16200000" scaled="1"/>
+        </a:gradFill>
+        <a:gradFill rotWithShape="1">
+          <a:gsLst>
+            <a:gs pos="0">
+              <a:schemeClr val="phClr">
+                <a:tint val="100000"/>
+                <a:shade val="100000"/>
+                <a:satMod val="130000"/>
+              </a:schemeClr>
+            </a:gs>
+            <a:gs pos="100000">
+              <a:schemeClr val="phClr">
+                <a:tint val="50000"/>
+                <a:shade val="100000"/>
+                <a:satMod val="350000"/>
+              </a:schemeClr>
+            </a:gs>
+          </a:gsLst>
+          <a:lin ang="16200000" scaled="0"/>
+        </a:gradFill>
+      </a:fillStyleLst>
+      <a:lnStyleLst>
+        <a:ln w="9525" cap="flat" cmpd="sng" algn="ctr">
+          <a:solidFill>
+            <a:schemeClr val="phClr">
+              <a:shade val="95000"/>
+              <a:satMod val="105000"/>
+            </a:schemeClr>
+          </a:solidFill>
+          <a:prstDash val="solid"/>
+        </a:ln>
+        <a:ln w="25400" cap="flat" cmpd="sng" algn="ctr">
+          <a:solidFill>
+            <a:schemeClr val="phClr"/>
+          </a:solidFill>
+          <a:prstDash val="solid"/>
+        </a:ln>
+        <a:ln w="38100" cap="flat" cmpd="sng" algn="ctr">
+          <a:solidFill>
+            <a:schemeClr val="phClr"/>
+          </a:solidFill>
+          <a:prstDash val="solid"/>
+        </a:ln>
+      </a:lnStyleLst>
+      <a:effectStyleLst>
+        <a:effectStyle>
+          <a:effectLst>
+            <a:outerShdw blurRad="40000" dist="20000" dir="5400000" rotWithShape="0">
+              <a:srgbClr val="000000">
+                <a:alpha val="38000"/>
+              </a:srgbClr>
+            </a:outerShdw>
+          </a:effectLst>
+        </a:effectStyle>
+        <a:effectStyle>
+          <a:effectLst>
+            <a:outerShdw blurRad="40000" dist="23000" dir="5400000" rotWithShape="0">
+              <a:srgbClr val="000000">
+                <a:alpha val="35000"/>
+              </a:srgbClr>
+            </a:outerShdw>
+          </a:effectLst>
+        </a:effectStyle>
+        <a:effectStyle>
+          <a:effectLst>
+            <a:outerShdw blurRad="40000" dist="23000" dir="5400000" rotWithShape="0">
+              <a:srgbClr val="000000">
+                <a:alpha val="35000"/>
+              </a:srgbClr>
+            </a:outerShdw>
+          </a:effectLst>
+          <a:scene3d>
+            <a:camera prst="orthographicFront">
+              <a:rot lat="0" lon="0" rev="0"/>
+            </a:camera>
+            <a:lightRig rig="threePt" dir="t">
+              <a:rot lat="0" lon="0" rev="1200000"/>
+            </a:lightRig>
+          </a:scene3d>
+          <a:sp3d>
+            <a:bevelT w="63500" h="25400"/>
+          </a:sp3d>
+        </a:effectStyle>
+      </a:effectStyleLst>
+      <a:bgFillStyleLst>
+        <a:solidFill>
+          <a:schemeClr val="phClr"/>
+        </a:solidFill>
+        <a:gradFill rotWithShape="1">
+          <a:gsLst>
+            <a:gs pos="0">
+              <a:schemeClr val="phClr">
+                <a:tint val="40000"/>
+                <a:satMod val="350000"/>
+              </a:schemeClr>
+            </a:gs>
+            <a:gs pos="40000">
+              <a:schemeClr val="phClr">
+                <a:tint val="45000"/>
+                <a:shade val="99000"/>
+                <a:satMod val="350000"/>
+              </a:schemeClr>
+            </a:gs>
+            <a:gs pos="100000">
+              <a:schemeClr val="phClr">
+                <a:shade val="20000"/>
+                <a:satMod val="255000"/>
+              </a:schemeClr>
+            </a:gs>
+          </a:gsLst>
+          <a:path path="circle">
+            <a:fillToRect l="50000" t="-80000" r="50000" b="180000"/>
+          </a:path>
+        </a:gradFill>
+        <a:gradFill rotWithShape="1">
+          <a:gsLst>
+            <a:gs pos="0">
+              <a:schemeClr val="phClr">
+                <a:tint val="80000"/>
+                <a:satMod val="300000"/>
+              </a:schemeClr>
+            </a:gs>
+            <a:gs pos="100000">
+              <a:schemeClr val="phClr">
+                <a:shade val="30000"/>
+                <a:satMod val="200000"/>
+              </a:schemeClr>
+            </a:gs>
+          </a:gsLst>
+          <a:path path="circle">
+            <a:fillToRect l="50000" t="50000" r="50000" b="50000"/>
+          </a:path>
+        </a:gradFill>
+      </a:bgFillStyleLst>
+    </a:fmtScheme>
+  </a:themeElements>
+</a:theme>
+</file>
+
+<file path=ppt/theme/theme2.xml><?xml version="1.0" encoding="utf-8"?>
 <a:theme xmlns:a="http://schemas.openxmlformats.org/drawingml/2006/main" xmlns:r="http://schemas.openxmlformats.org/officeDocument/2006/relationships">
   <a:themeElements>
     <a:clrScheme name="Default">
@@ -5582,283 +5869,4 @@
     </a:fmtScheme>
   </a:themeElements>
 </a:theme>
-</file>
-
-<file path=ppt/theme/theme2.xml><?xml version="1.0" encoding="utf-8"?>
-<a:theme xmlns:a="http://schemas.openxmlformats.org/drawingml/2006/main" xmlns:r="http://schemas.openxmlformats.org/officeDocument/2006/relationships" name="Franzi">
-  <a:themeElements>
-    <a:clrScheme name="Simple Light">
-      <a:dk1>
-        <a:srgbClr val="000000"/>
-      </a:dk1>
-      <a:lt1>
-        <a:srgbClr val="FFFFFF"/>
-      </a:lt1>
-      <a:dk2>
-        <a:srgbClr val="595959"/>
-      </a:dk2>
-      <a:lt2>
-        <a:srgbClr val="EEEEEE"/>
-      </a:lt2>
-      <a:accent1>
-        <a:srgbClr val="4285F4"/>
-      </a:accent1>
-      <a:accent2>
-        <a:srgbClr val="212121"/>
-      </a:accent2>
-      <a:accent3>
-        <a:srgbClr val="78909C"/>
-      </a:accent3>
-      <a:accent4>
-        <a:srgbClr val="FFAB40"/>
-      </a:accent4>
-      <a:accent5>
-        <a:srgbClr val="0097A7"/>
-      </a:accent5>
-      <a:accent6>
-        <a:srgbClr val="EEFF41"/>
-      </a:accent6>
-      <a:hlink>
-        <a:srgbClr val="0097A7"/>
-      </a:hlink>
-      <a:folHlink>
-        <a:srgbClr val="0097A7"/>
-      </a:folHlink>
-    </a:clrScheme>
-    <a:fontScheme name="Office">
-      <a:majorFont>
-        <a:latin typeface="Arial"/>
-        <a:ea typeface=""/>
-        <a:cs typeface=""/>
-        <a:font script="Jpan" typeface="ＭＳ Ｐゴシック"/>
-        <a:font script="Hang" typeface="맑은 고딕"/>
-        <a:font script="Hans" typeface="宋体"/>
-        <a:font script="Hant" typeface="新細明體"/>
-        <a:font script="Arab" typeface="Times New Roman"/>
-        <a:font script="Hebr" typeface="Times New Roman"/>
-        <a:font script="Thai" typeface="Angsana New"/>
-        <a:font script="Ethi" typeface="Nyala"/>
-        <a:font script="Beng" typeface="Vrinda"/>
-        <a:font script="Gujr" typeface="Shruti"/>
-        <a:font script="Khmr" typeface="MoolBoran"/>
-        <a:font script="Knda" typeface="Tunga"/>
-        <a:font script="Guru" typeface="Raavi"/>
-        <a:font script="Cans" typeface="Euphemia"/>
-        <a:font script="Cher" typeface="Plantagenet Cherokee"/>
-        <a:font script="Yiii" typeface="Microsoft Yi Baiti"/>
-        <a:font script="Tibt" typeface="Microsoft Himalaya"/>
-        <a:font script="Thaa" typeface="MV Boli"/>
-        <a:font script="Deva" typeface="Mangal"/>
-        <a:font script="Telu" typeface="Gautami"/>
-        <a:font script="Taml" typeface="Latha"/>
-        <a:font script="Syrc" typeface="Estrangelo Edessa"/>
-        <a:font script="Orya" typeface="Kalinga"/>
-        <a:font script="Mlym" typeface="Kartika"/>
-        <a:font script="Laoo" typeface="DokChampa"/>
-        <a:font script="Sinh" typeface="Iskoola Pota"/>
-        <a:font script="Mong" typeface="Mongolian Baiti"/>
-        <a:font script="Viet" typeface="Times New Roman"/>
-        <a:font script="Uigh" typeface="Microsoft Uighur"/>
-        <a:font script="Geor" typeface="Sylfaen"/>
-      </a:majorFont>
-      <a:minorFont>
-        <a:latin typeface="Arial"/>
-        <a:ea typeface=""/>
-        <a:cs typeface=""/>
-        <a:font script="Jpan" typeface="ＭＳ Ｐゴシック"/>
-        <a:font script="Hang" typeface="맑은 고딕"/>
-        <a:font script="Hans" typeface="宋体"/>
-        <a:font script="Hant" typeface="新細明體"/>
-        <a:font script="Arab" typeface="Arial"/>
-        <a:font script="Hebr" typeface="Arial"/>
-        <a:font script="Thai" typeface="Cordia New"/>
-        <a:font script="Ethi" typeface="Nyala"/>
-        <a:font script="Beng" typeface="Vrinda"/>
-        <a:font script="Gujr" typeface="Shruti"/>
-        <a:font script="Khmr" typeface="DaunPenh"/>
-        <a:font script="Knda" typeface="Tunga"/>
-        <a:font script="Guru" typeface="Raavi"/>
-        <a:font script="Cans" typeface="Euphemia"/>
-        <a:font script="Cher" typeface="Plantagenet Cherokee"/>
-        <a:font script="Yiii" typeface="Microsoft Yi Baiti"/>
-        <a:font script="Tibt" typeface="Microsoft Himalaya"/>
-        <a:font script="Thaa" typeface="MV Boli"/>
-        <a:font script="Deva" typeface="Mangal"/>
-        <a:font script="Telu" typeface="Gautami"/>
-        <a:font script="Taml" typeface="Latha"/>
-        <a:font script="Syrc" typeface="Estrangelo Edessa"/>
-        <a:font script="Orya" typeface="Kalinga"/>
-        <a:font script="Mlym" typeface="Kartika"/>
-        <a:font script="Laoo" typeface="DokChampa"/>
-        <a:font script="Sinh" typeface="Iskoola Pota"/>
-        <a:font script="Mong" typeface="Mongolian Baiti"/>
-        <a:font script="Viet" typeface="Arial"/>
-        <a:font script="Uigh" typeface="Microsoft Uighur"/>
-        <a:font script="Geor" typeface="Sylfaen"/>
-      </a:minorFont>
-    </a:fontScheme>
-    <a:fmtScheme name="Office">
-      <a:fillStyleLst>
-        <a:solidFill>
-          <a:schemeClr val="phClr"/>
-        </a:solidFill>
-        <a:gradFill rotWithShape="1">
-          <a:gsLst>
-            <a:gs pos="0">
-              <a:schemeClr val="phClr">
-                <a:tint val="50000"/>
-                <a:satMod val="300000"/>
-              </a:schemeClr>
-            </a:gs>
-            <a:gs pos="35000">
-              <a:schemeClr val="phClr">
-                <a:tint val="37000"/>
-                <a:satMod val="300000"/>
-              </a:schemeClr>
-            </a:gs>
-            <a:gs pos="100000">
-              <a:schemeClr val="phClr">
-                <a:tint val="15000"/>
-                <a:satMod val="350000"/>
-              </a:schemeClr>
-            </a:gs>
-          </a:gsLst>
-          <a:lin ang="16200000" scaled="1"/>
-        </a:gradFill>
-        <a:gradFill rotWithShape="1">
-          <a:gsLst>
-            <a:gs pos="0">
-              <a:schemeClr val="phClr">
-                <a:tint val="100000"/>
-                <a:shade val="100000"/>
-                <a:satMod val="130000"/>
-              </a:schemeClr>
-            </a:gs>
-            <a:gs pos="100000">
-              <a:schemeClr val="phClr">
-                <a:tint val="50000"/>
-                <a:shade val="100000"/>
-                <a:satMod val="350000"/>
-              </a:schemeClr>
-            </a:gs>
-          </a:gsLst>
-          <a:lin ang="16200000" scaled="0"/>
-        </a:gradFill>
-      </a:fillStyleLst>
-      <a:lnStyleLst>
-        <a:ln w="9525" cap="flat" cmpd="sng" algn="ctr">
-          <a:solidFill>
-            <a:schemeClr val="phClr">
-              <a:shade val="95000"/>
-              <a:satMod val="105000"/>
-            </a:schemeClr>
-          </a:solidFill>
-          <a:prstDash val="solid"/>
-        </a:ln>
-        <a:ln w="25400" cap="flat" cmpd="sng" algn="ctr">
-          <a:solidFill>
-            <a:schemeClr val="phClr"/>
-          </a:solidFill>
-          <a:prstDash val="solid"/>
-        </a:ln>
-        <a:ln w="38100" cap="flat" cmpd="sng" algn="ctr">
-          <a:solidFill>
-            <a:schemeClr val="phClr"/>
-          </a:solidFill>
-          <a:prstDash val="solid"/>
-        </a:ln>
-      </a:lnStyleLst>
-      <a:effectStyleLst>
-        <a:effectStyle>
-          <a:effectLst>
-            <a:outerShdw blurRad="40000" dist="20000" dir="5400000" rotWithShape="0">
-              <a:srgbClr val="000000">
-                <a:alpha val="38000"/>
-              </a:srgbClr>
-            </a:outerShdw>
-          </a:effectLst>
-        </a:effectStyle>
-        <a:effectStyle>
-          <a:effectLst>
-            <a:outerShdw blurRad="40000" dist="23000" dir="5400000" rotWithShape="0">
-              <a:srgbClr val="000000">
-                <a:alpha val="35000"/>
-              </a:srgbClr>
-            </a:outerShdw>
-          </a:effectLst>
-        </a:effectStyle>
-        <a:effectStyle>
-          <a:effectLst>
-            <a:outerShdw blurRad="40000" dist="23000" dir="5400000" rotWithShape="0">
-              <a:srgbClr val="000000">
-                <a:alpha val="35000"/>
-              </a:srgbClr>
-            </a:outerShdw>
-          </a:effectLst>
-          <a:scene3d>
-            <a:camera prst="orthographicFront">
-              <a:rot lat="0" lon="0" rev="0"/>
-            </a:camera>
-            <a:lightRig rig="threePt" dir="t">
-              <a:rot lat="0" lon="0" rev="1200000"/>
-            </a:lightRig>
-          </a:scene3d>
-          <a:sp3d>
-            <a:bevelT w="63500" h="25400"/>
-          </a:sp3d>
-        </a:effectStyle>
-      </a:effectStyleLst>
-      <a:bgFillStyleLst>
-        <a:solidFill>
-          <a:schemeClr val="phClr"/>
-        </a:solidFill>
-        <a:gradFill rotWithShape="1">
-          <a:gsLst>
-            <a:gs pos="0">
-              <a:schemeClr val="phClr">
-                <a:tint val="40000"/>
-                <a:satMod val="350000"/>
-              </a:schemeClr>
-            </a:gs>
-            <a:gs pos="40000">
-              <a:schemeClr val="phClr">
-                <a:tint val="45000"/>
-                <a:shade val="99000"/>
-                <a:satMod val="350000"/>
-              </a:schemeClr>
-            </a:gs>
-            <a:gs pos="100000">
-              <a:schemeClr val="phClr">
-                <a:shade val="20000"/>
-                <a:satMod val="255000"/>
-              </a:schemeClr>
-            </a:gs>
-          </a:gsLst>
-          <a:path path="circle">
-            <a:fillToRect l="50000" t="-80000" r="50000" b="180000"/>
-          </a:path>
-        </a:gradFill>
-        <a:gradFill rotWithShape="1">
-          <a:gsLst>
-            <a:gs pos="0">
-              <a:schemeClr val="phClr">
-                <a:tint val="80000"/>
-                <a:satMod val="300000"/>
-              </a:schemeClr>
-            </a:gs>
-            <a:gs pos="100000">
-              <a:schemeClr val="phClr">
-                <a:shade val="30000"/>
-                <a:satMod val="200000"/>
-              </a:schemeClr>
-            </a:gs>
-          </a:gsLst>
-          <a:path path="circle">
-            <a:fillToRect l="50000" t="50000" r="50000" b="50000"/>
-          </a:path>
-        </a:gradFill>
-      </a:bgFillStyleLst>
-    </a:fmtScheme>
-  </a:themeElements>
-</a:theme>
 </file>
--- a/mlws_resources/exercise_industry_spotlights_template.pptx
+++ b/mlws_resources/exercise_industry_spotlights_template.pptx
@@ -4952,7 +4952,7 @@
                 <a:cs typeface="Source Sans Pro"/>
                 <a:sym typeface="Source Sans Pro"/>
               </a:rPr>
-              <a:t>Deep Learning</a:t>
+              <a:t>Generative AI</a:t>
             </a:r>
             <a:r>
               <a:rPr lang="en" sz="1200">
@@ -4961,7 +4961,7 @@
                 <a:cs typeface="Source Sans Pro"/>
                 <a:sym typeface="Source Sans Pro"/>
               </a:rPr>
-              <a:t>: </a:t>
+              <a:t>:</a:t>
             </a:r>
             <a:r>
               <a:rPr lang="en" sz="1200">
@@ -4970,7 +4970,7 @@
                 <a:cs typeface="Source Sans Pro"/>
                 <a:sym typeface="Source Sans Pro"/>
               </a:rPr>
-              <a:t>other (e.g., image, text, …): </a:t>
+              <a:t> (e.g., image, text, …): </a:t>
             </a:r>
             <a:r>
               <a:rPr lang="en" sz="1200">
